--- a/note/HolsteinNote.pptx
+++ b/note/HolsteinNote.pptx
@@ -6,6 +6,9 @@
   </p:sldMasterIdLst>
   <p:sldIdLst>
     <p:sldId id="256" r:id="rId2"/>
+    <p:sldId id="257" r:id="rId3"/>
+    <p:sldId id="258" r:id="rId4"/>
+    <p:sldId id="259" r:id="rId5"/>
   </p:sldIdLst>
   <p:sldSz cx="12192000" cy="6858000"/>
   <p:notesSz cx="6858000" cy="9144000"/>
@@ -104,6 +107,11 @@
       </a:defRPr>
     </a:lvl9pPr>
   </p:defaultTextStyle>
+  <p:extLst>
+    <p:ext uri="{EFAFB233-063F-42B5-8137-9DF3F51BA10A}">
+      <p15:sldGuideLst xmlns:p15="http://schemas.microsoft.com/office/powerpoint/2012/main"/>
+    </p:ext>
+  </p:extLst>
 </p:presentation>
 </file>
 
@@ -254,7 +262,7 @@
           <a:p>
             <a:fld id="{E812D69E-BA59-4048-BBA1-2B9FC684DE7B}" type="datetimeFigureOut">
               <a:rPr kumimoji="1" lang="zh-CN" altLang="en-US" smtClean="0"/>
-              <a:t>2021/8/5</a:t>
+              <a:t>2021/8/8</a:t>
             </a:fld>
             <a:endParaRPr kumimoji="1" lang="zh-CN" altLang="en-US"/>
           </a:p>
@@ -452,7 +460,7 @@
           <a:p>
             <a:fld id="{E812D69E-BA59-4048-BBA1-2B9FC684DE7B}" type="datetimeFigureOut">
               <a:rPr kumimoji="1" lang="zh-CN" altLang="en-US" smtClean="0"/>
-              <a:t>2021/8/5</a:t>
+              <a:t>2021/8/8</a:t>
             </a:fld>
             <a:endParaRPr kumimoji="1" lang="zh-CN" altLang="en-US"/>
           </a:p>
@@ -660,7 +668,7 @@
           <a:p>
             <a:fld id="{E812D69E-BA59-4048-BBA1-2B9FC684DE7B}" type="datetimeFigureOut">
               <a:rPr kumimoji="1" lang="zh-CN" altLang="en-US" smtClean="0"/>
-              <a:t>2021/8/5</a:t>
+              <a:t>2021/8/8</a:t>
             </a:fld>
             <a:endParaRPr kumimoji="1" lang="zh-CN" altLang="en-US"/>
           </a:p>
@@ -858,7 +866,7 @@
           <a:p>
             <a:fld id="{E812D69E-BA59-4048-BBA1-2B9FC684DE7B}" type="datetimeFigureOut">
               <a:rPr kumimoji="1" lang="zh-CN" altLang="en-US" smtClean="0"/>
-              <a:t>2021/8/5</a:t>
+              <a:t>2021/8/8</a:t>
             </a:fld>
             <a:endParaRPr kumimoji="1" lang="zh-CN" altLang="en-US"/>
           </a:p>
@@ -1133,7 +1141,7 @@
           <a:p>
             <a:fld id="{E812D69E-BA59-4048-BBA1-2B9FC684DE7B}" type="datetimeFigureOut">
               <a:rPr kumimoji="1" lang="zh-CN" altLang="en-US" smtClean="0"/>
-              <a:t>2021/8/5</a:t>
+              <a:t>2021/8/8</a:t>
             </a:fld>
             <a:endParaRPr kumimoji="1" lang="zh-CN" altLang="en-US"/>
           </a:p>
@@ -1398,7 +1406,7 @@
           <a:p>
             <a:fld id="{E812D69E-BA59-4048-BBA1-2B9FC684DE7B}" type="datetimeFigureOut">
               <a:rPr kumimoji="1" lang="zh-CN" altLang="en-US" smtClean="0"/>
-              <a:t>2021/8/5</a:t>
+              <a:t>2021/8/8</a:t>
             </a:fld>
             <a:endParaRPr kumimoji="1" lang="zh-CN" altLang="en-US"/>
           </a:p>
@@ -1810,7 +1818,7 @@
           <a:p>
             <a:fld id="{E812D69E-BA59-4048-BBA1-2B9FC684DE7B}" type="datetimeFigureOut">
               <a:rPr kumimoji="1" lang="zh-CN" altLang="en-US" smtClean="0"/>
-              <a:t>2021/8/5</a:t>
+              <a:t>2021/8/8</a:t>
             </a:fld>
             <a:endParaRPr kumimoji="1" lang="zh-CN" altLang="en-US"/>
           </a:p>
@@ -1951,7 +1959,7 @@
           <a:p>
             <a:fld id="{E812D69E-BA59-4048-BBA1-2B9FC684DE7B}" type="datetimeFigureOut">
               <a:rPr kumimoji="1" lang="zh-CN" altLang="en-US" smtClean="0"/>
-              <a:t>2021/8/5</a:t>
+              <a:t>2021/8/8</a:t>
             </a:fld>
             <a:endParaRPr kumimoji="1" lang="zh-CN" altLang="en-US"/>
           </a:p>
@@ -2064,7 +2072,7 @@
           <a:p>
             <a:fld id="{E812D69E-BA59-4048-BBA1-2B9FC684DE7B}" type="datetimeFigureOut">
               <a:rPr kumimoji="1" lang="zh-CN" altLang="en-US" smtClean="0"/>
-              <a:t>2021/8/5</a:t>
+              <a:t>2021/8/8</a:t>
             </a:fld>
             <a:endParaRPr kumimoji="1" lang="zh-CN" altLang="en-US"/>
           </a:p>
@@ -2375,7 +2383,7 @@
           <a:p>
             <a:fld id="{E812D69E-BA59-4048-BBA1-2B9FC684DE7B}" type="datetimeFigureOut">
               <a:rPr kumimoji="1" lang="zh-CN" altLang="en-US" smtClean="0"/>
-              <a:t>2021/8/5</a:t>
+              <a:t>2021/8/8</a:t>
             </a:fld>
             <a:endParaRPr kumimoji="1" lang="zh-CN" altLang="en-US"/>
           </a:p>
@@ -2663,7 +2671,7 @@
           <a:p>
             <a:fld id="{E812D69E-BA59-4048-BBA1-2B9FC684DE7B}" type="datetimeFigureOut">
               <a:rPr kumimoji="1" lang="zh-CN" altLang="en-US" smtClean="0"/>
-              <a:t>2021/8/5</a:t>
+              <a:t>2021/8/8</a:t>
             </a:fld>
             <a:endParaRPr kumimoji="1" lang="zh-CN" altLang="en-US"/>
           </a:p>
@@ -2904,7 +2912,7 @@
           <a:p>
             <a:fld id="{E812D69E-BA59-4048-BBA1-2B9FC684DE7B}" type="datetimeFigureOut">
               <a:rPr kumimoji="1" lang="zh-CN" altLang="en-US" smtClean="0"/>
-              <a:t>2021/8/5</a:t>
+              <a:t>2021/8/8</a:t>
             </a:fld>
             <a:endParaRPr kumimoji="1" lang="zh-CN" altLang="en-US"/>
           </a:p>
@@ -3366,8 +3374,8 @@
           </a:p>
         </p:txBody>
       </p:sp>
-      <mc:AlternateContent xmlns:mc="http://schemas.openxmlformats.org/markup-compatibility/2006">
-        <mc:Choice xmlns:a14="http://schemas.microsoft.com/office/drawing/2010/main" Requires="a14">
+      <mc:AlternateContent xmlns:mc="http://schemas.openxmlformats.org/markup-compatibility/2006" xmlns:a14="http://schemas.microsoft.com/office/drawing/2010/main">
+        <mc:Choice Requires="a14">
           <p:sp>
             <p:nvSpPr>
               <p:cNvPr id="5" name="Rectangle 3">
@@ -4021,7 +4029,7 @@
             </p:txBody>
           </p:sp>
         </mc:Choice>
-        <mc:Fallback>
+        <mc:Fallback xmlns="">
           <p:sp>
             <p:nvSpPr>
               <p:cNvPr id="5" name="Rectangle 3">
@@ -4066,8 +4074,8 @@
           </p:sp>
         </mc:Fallback>
       </mc:AlternateContent>
-      <mc:AlternateContent xmlns:mc="http://schemas.openxmlformats.org/markup-compatibility/2006">
-        <mc:Choice xmlns:a14="http://schemas.microsoft.com/office/drawing/2010/main" Requires="a14">
+      <mc:AlternateContent xmlns:mc="http://schemas.openxmlformats.org/markup-compatibility/2006" xmlns:a14="http://schemas.microsoft.com/office/drawing/2010/main">
+        <mc:Choice Requires="a14">
           <p:sp>
             <p:nvSpPr>
               <p:cNvPr id="6" name="TextBox 4">
@@ -4210,7 +4218,7 @@
             </p:txBody>
           </p:sp>
         </mc:Choice>
-        <mc:Fallback>
+        <mc:Fallback xmlns="">
           <p:sp>
             <p:nvSpPr>
               <p:cNvPr id="6" name="TextBox 4">
@@ -4259,6 +4267,1561 @@
     <p:extLst>
       <p:ext uri="{BB962C8B-B14F-4D97-AF65-F5344CB8AC3E}">
         <p14:creationId xmlns:p14="http://schemas.microsoft.com/office/powerpoint/2010/main" val="3879330816"/>
+      </p:ext>
+    </p:extLst>
+  </p:cSld>
+  <p:clrMapOvr>
+    <a:masterClrMapping/>
+  </p:clrMapOvr>
+</p:sld>
+</file>
+
+<file path=ppt/slides/slide2.xml><?xml version="1.0" encoding="utf-8"?>
+<p:sld xmlns:a="http://schemas.openxmlformats.org/drawingml/2006/main" xmlns:r="http://schemas.openxmlformats.org/officeDocument/2006/relationships" xmlns:p="http://schemas.openxmlformats.org/presentationml/2006/main">
+  <p:cSld>
+    <p:spTree>
+      <p:nvGrpSpPr>
+        <p:cNvPr id="1" name=""/>
+        <p:cNvGrpSpPr/>
+        <p:nvPr/>
+      </p:nvGrpSpPr>
+      <p:grpSpPr>
+        <a:xfrm>
+          <a:off x="0" y="0"/>
+          <a:ext cx="0" cy="0"/>
+          <a:chOff x="0" y="0"/>
+          <a:chExt cx="0" cy="0"/>
+        </a:xfrm>
+      </p:grpSpPr>
+      <mc:AlternateContent xmlns:mc="http://schemas.openxmlformats.org/markup-compatibility/2006">
+        <mc:Choice xmlns:a14="http://schemas.microsoft.com/office/drawing/2010/main" Requires="a14">
+          <p:sp>
+            <p:nvSpPr>
+              <p:cNvPr id="4" name="标题 1">
+                <a:extLst>
+                  <a:ext uri="{FF2B5EF4-FFF2-40B4-BE49-F238E27FC236}">
+                    <a16:creationId xmlns:a16="http://schemas.microsoft.com/office/drawing/2014/main" id="{D7151C56-FC15-F54B-8B33-5C718A0D5084}"/>
+                  </a:ext>
+                </a:extLst>
+              </p:cNvPr>
+              <p:cNvSpPr>
+                <a:spLocks noGrp="1"/>
+              </p:cNvSpPr>
+              <p:nvPr>
+                <p:ph type="title"/>
+              </p:nvPr>
+            </p:nvSpPr>
+            <p:spPr>
+              <a:xfrm>
+                <a:off x="570921" y="394806"/>
+                <a:ext cx="4557408" cy="458584"/>
+              </a:xfrm>
+            </p:spPr>
+            <p:txBody>
+              <a:bodyPr>
+                <a:normAutofit fontScale="90000"/>
+              </a:bodyPr>
+              <a:lstStyle/>
+              <a:p>
+                <a14:m>
+                  <m:oMath xmlns:m="http://schemas.openxmlformats.org/officeDocument/2006/math">
+                    <m:r>
+                      <a:rPr kumimoji="1" lang="en-US" altLang="zh-CN" sz="3600">
+                        <a:latin typeface="Cambria Math" panose="02040503050406030204" pitchFamily="18" charset="0"/>
+                        <a:cs typeface="Times New Roman" panose="02020603050405020304" pitchFamily="18" charset="0"/>
+                      </a:rPr>
+                      <m:t>𝜆</m:t>
+                    </m:r>
+                    <m:r>
+                      <a:rPr kumimoji="1" lang="en-US" altLang="zh-CN" sz="3600">
+                        <a:latin typeface="Cambria Math" panose="02040503050406030204" pitchFamily="18" charset="0"/>
+                        <a:cs typeface="Times New Roman" panose="02020603050405020304" pitchFamily="18" charset="0"/>
+                      </a:rPr>
+                      <m:t>=0</m:t>
+                    </m:r>
+                  </m:oMath>
+                </a14:m>
+                <a:r>
+                  <a:rPr kumimoji="1" lang="en-US" altLang="zh-CN" sz="3600" dirty="0">
+                    <a:latin typeface="Times New Roman" panose="02020603050405020304" pitchFamily="18" charset="0"/>
+                    <a:cs typeface="Times New Roman" panose="02020603050405020304" pitchFamily="18" charset="0"/>
+                  </a:rPr>
+                  <a:t>, Hubbard, D=10000</a:t>
+                </a:r>
+                <a:endParaRPr kumimoji="1" lang="zh-CN" altLang="en-US" sz="3600" dirty="0">
+                  <a:latin typeface="Times New Roman" panose="02020603050405020304" pitchFamily="18" charset="0"/>
+                  <a:cs typeface="Times New Roman" panose="02020603050405020304" pitchFamily="18" charset="0"/>
+                </a:endParaRPr>
+              </a:p>
+            </p:txBody>
+          </p:sp>
+        </mc:Choice>
+        <mc:Fallback>
+          <p:sp>
+            <p:nvSpPr>
+              <p:cNvPr id="4" name="标题 1">
+                <a:extLst>
+                  <a:ext uri="{FF2B5EF4-FFF2-40B4-BE49-F238E27FC236}">
+                    <a16:creationId xmlns:a16="http://schemas.microsoft.com/office/drawing/2014/main" id="{D7151C56-FC15-F54B-8B33-5C718A0D5084}"/>
+                  </a:ext>
+                </a:extLst>
+              </p:cNvPr>
+              <p:cNvSpPr>
+                <a:spLocks noGrp="1" noRot="1" noChangeAspect="1" noMove="1" noResize="1" noEditPoints="1" noAdjustHandles="1" noChangeArrowheads="1" noChangeShapeType="1" noTextEdit="1"/>
+              </p:cNvSpPr>
+              <p:nvPr>
+                <p:ph type="title"/>
+              </p:nvPr>
+            </p:nvSpPr>
+            <p:spPr>
+              <a:xfrm>
+                <a:off x="570921" y="394806"/>
+                <a:ext cx="4557408" cy="458584"/>
+              </a:xfrm>
+              <a:blipFill>
+                <a:blip r:embed="rId2"/>
+                <a:stretch>
+                  <a:fillRect l="-1393" t="-35135" r="-2786" b="-45946"/>
+                </a:stretch>
+              </a:blipFill>
+            </p:spPr>
+            <p:txBody>
+              <a:bodyPr/>
+              <a:lstStyle/>
+              <a:p>
+                <a:r>
+                  <a:rPr lang="zh-CN" altLang="en-US">
+                    <a:noFill/>
+                  </a:rPr>
+                  <a:t> </a:t>
+                </a:r>
+              </a:p>
+            </p:txBody>
+          </p:sp>
+        </mc:Fallback>
+      </mc:AlternateContent>
+      <p:pic>
+        <p:nvPicPr>
+          <p:cNvPr id="5" name="图片 4">
+            <a:extLst>
+              <a:ext uri="{FF2B5EF4-FFF2-40B4-BE49-F238E27FC236}">
+                <a16:creationId xmlns:a16="http://schemas.microsoft.com/office/drawing/2014/main" id="{0F6D2002-13DE-E84A-8A9A-6DE67CA51B95}"/>
+              </a:ext>
+            </a:extLst>
+          </p:cNvPr>
+          <p:cNvPicPr>
+            <a:picLocks noChangeAspect="1"/>
+          </p:cNvPicPr>
+          <p:nvPr/>
+        </p:nvPicPr>
+        <p:blipFill>
+          <a:blip r:embed="rId3"/>
+          <a:stretch>
+            <a:fillRect/>
+          </a:stretch>
+        </p:blipFill>
+        <p:spPr>
+          <a:xfrm>
+            <a:off x="6557931" y="1393371"/>
+            <a:ext cx="4049809" cy="2833992"/>
+          </a:xfrm>
+          <a:prstGeom prst="rect">
+            <a:avLst/>
+          </a:prstGeom>
+        </p:spPr>
+      </p:pic>
+      <p:pic>
+        <p:nvPicPr>
+          <p:cNvPr id="6" name="图片 5">
+            <a:extLst>
+              <a:ext uri="{FF2B5EF4-FFF2-40B4-BE49-F238E27FC236}">
+                <a16:creationId xmlns:a16="http://schemas.microsoft.com/office/drawing/2014/main" id="{CC2C8E48-984F-474D-98E2-35C715FA02E7}"/>
+              </a:ext>
+            </a:extLst>
+          </p:cNvPr>
+          <p:cNvPicPr>
+            <a:picLocks noChangeAspect="1"/>
+          </p:cNvPicPr>
+          <p:nvPr/>
+        </p:nvPicPr>
+        <p:blipFill>
+          <a:blip r:embed="rId4"/>
+          <a:stretch>
+            <a:fillRect/>
+          </a:stretch>
+        </p:blipFill>
+        <p:spPr>
+          <a:xfrm>
+            <a:off x="570921" y="1582734"/>
+            <a:ext cx="3993277" cy="2917323"/>
+          </a:xfrm>
+          <a:prstGeom prst="rect">
+            <a:avLst/>
+          </a:prstGeom>
+        </p:spPr>
+      </p:pic>
+      <p:sp>
+        <p:nvSpPr>
+          <p:cNvPr id="7" name="文本框 6">
+            <a:extLst>
+              <a:ext uri="{FF2B5EF4-FFF2-40B4-BE49-F238E27FC236}">
+                <a16:creationId xmlns:a16="http://schemas.microsoft.com/office/drawing/2014/main" id="{440ADD5B-3BA6-B248-9E5F-5F64D5BA618C}"/>
+              </a:ext>
+            </a:extLst>
+          </p:cNvPr>
+          <p:cNvSpPr txBox="1"/>
+          <p:nvPr/>
+        </p:nvSpPr>
+        <p:spPr>
+          <a:xfrm>
+            <a:off x="7655465" y="4438450"/>
+            <a:ext cx="1854739" cy="369332"/>
+          </a:xfrm>
+          <a:prstGeom prst="rect">
+            <a:avLst/>
+          </a:prstGeom>
+          <a:noFill/>
+        </p:spPr>
+        <p:txBody>
+          <a:bodyPr wrap="square" rtlCol="0">
+            <a:spAutoFit/>
+          </a:bodyPr>
+          <a:lstStyle/>
+          <a:p>
+            <a:r>
+              <a:rPr kumimoji="1" lang="en-US" altLang="zh-CN" dirty="0"/>
+              <a:t>E0 = </a:t>
+            </a:r>
+            <a:r>
+              <a:rPr lang="en-US" altLang="zh-CN" dirty="0"/>
+              <a:t>-97.0047</a:t>
+            </a:r>
+          </a:p>
+        </p:txBody>
+      </p:sp>
+      <p:sp>
+        <p:nvSpPr>
+          <p:cNvPr id="8" name="矩形 7">
+            <a:extLst>
+              <a:ext uri="{FF2B5EF4-FFF2-40B4-BE49-F238E27FC236}">
+                <a16:creationId xmlns:a16="http://schemas.microsoft.com/office/drawing/2014/main" id="{09864C9F-BE6D-AC49-8708-C103D4DA12CC}"/>
+              </a:ext>
+            </a:extLst>
+          </p:cNvPr>
+          <p:cNvSpPr/>
+          <p:nvPr/>
+        </p:nvSpPr>
+        <p:spPr>
+          <a:xfrm>
+            <a:off x="1910894" y="4500057"/>
+            <a:ext cx="1718740" cy="369332"/>
+          </a:xfrm>
+          <a:prstGeom prst="rect">
+            <a:avLst/>
+          </a:prstGeom>
+        </p:spPr>
+        <p:txBody>
+          <a:bodyPr wrap="none">
+            <a:spAutoFit/>
+          </a:bodyPr>
+          <a:lstStyle/>
+          <a:p>
+            <a:r>
+              <a:rPr lang="en-US" altLang="zh-CN" dirty="0">
+                <a:solidFill>
+                  <a:srgbClr val="000000"/>
+                </a:solidFill>
+                <a:latin typeface="Menlo" panose="020B0609030804020204" pitchFamily="49" charset="0"/>
+              </a:rPr>
+              <a:t>E0=-97.0098</a:t>
+            </a:r>
+            <a:endParaRPr lang="en-US" altLang="zh-CN" dirty="0">
+              <a:solidFill>
+                <a:srgbClr val="000000"/>
+              </a:solidFill>
+              <a:effectLst/>
+              <a:latin typeface="Menlo" panose="020B0609030804020204" pitchFamily="49" charset="0"/>
+            </a:endParaRPr>
+          </a:p>
+        </p:txBody>
+      </p:sp>
+    </p:spTree>
+    <p:extLst>
+      <p:ext uri="{BB962C8B-B14F-4D97-AF65-F5344CB8AC3E}">
+        <p14:creationId xmlns:p14="http://schemas.microsoft.com/office/powerpoint/2010/main" val="1116045719"/>
+      </p:ext>
+    </p:extLst>
+  </p:cSld>
+  <p:clrMapOvr>
+    <a:masterClrMapping/>
+  </p:clrMapOvr>
+</p:sld>
+</file>
+
+<file path=ppt/slides/slide3.xml><?xml version="1.0" encoding="utf-8"?>
+<p:sld xmlns:a="http://schemas.openxmlformats.org/drawingml/2006/main" xmlns:r="http://schemas.openxmlformats.org/officeDocument/2006/relationships" xmlns:p="http://schemas.openxmlformats.org/presentationml/2006/main">
+  <p:cSld>
+    <p:spTree>
+      <p:nvGrpSpPr>
+        <p:cNvPr id="1" name=""/>
+        <p:cNvGrpSpPr/>
+        <p:nvPr/>
+      </p:nvGrpSpPr>
+      <p:grpSpPr>
+        <a:xfrm>
+          <a:off x="0" y="0"/>
+          <a:ext cx="0" cy="0"/>
+          <a:chOff x="0" y="0"/>
+          <a:chExt cx="0" cy="0"/>
+        </a:xfrm>
+      </p:grpSpPr>
+      <mc:AlternateContent xmlns:mc="http://schemas.openxmlformats.org/markup-compatibility/2006">
+        <mc:Choice xmlns:a14="http://schemas.microsoft.com/office/drawing/2010/main" Requires="a14">
+          <p:sp>
+            <p:nvSpPr>
+              <p:cNvPr id="4" name="标题 1">
+                <a:extLst>
+                  <a:ext uri="{FF2B5EF4-FFF2-40B4-BE49-F238E27FC236}">
+                    <a16:creationId xmlns:a16="http://schemas.microsoft.com/office/drawing/2014/main" id="{145173B0-40C7-7945-A39F-52F92A60DFA5}"/>
+                  </a:ext>
+                </a:extLst>
+              </p:cNvPr>
+              <p:cNvSpPr>
+                <a:spLocks noGrp="1"/>
+              </p:cNvSpPr>
+              <p:nvPr>
+                <p:ph type="title"/>
+              </p:nvPr>
+            </p:nvSpPr>
+            <p:spPr>
+              <a:xfrm>
+                <a:off x="187271" y="115019"/>
+                <a:ext cx="6523496" cy="595770"/>
+              </a:xfrm>
+            </p:spPr>
+            <p:txBody>
+              <a:bodyPr>
+                <a:normAutofit/>
+              </a:bodyPr>
+              <a:lstStyle/>
+              <a:p>
+                <a:r>
+                  <a:rPr kumimoji="1" lang="en-US" altLang="zh-CN" sz="3600" dirty="0">
+                    <a:latin typeface="Times New Roman" panose="02020603050405020304" pitchFamily="18" charset="0"/>
+                    <a:cs typeface="Times New Roman" panose="02020603050405020304" pitchFamily="18" charset="0"/>
+                  </a:rPr>
+                  <a:t>Holstein-Hubbard, </a:t>
+                </a:r>
+                <a14:m>
+                  <m:oMath xmlns:m="http://schemas.openxmlformats.org/officeDocument/2006/math">
+                    <m:r>
+                      <a:rPr kumimoji="1" lang="en-US" altLang="zh-CN" sz="3600" b="0" i="1" dirty="0" smtClean="0">
+                        <a:latin typeface="Cambria Math" panose="02040503050406030204" pitchFamily="18" charset="0"/>
+                        <a:cs typeface="Times New Roman" panose="02020603050405020304" pitchFamily="18" charset="0"/>
+                      </a:rPr>
+                      <m:t>𝜆</m:t>
+                    </m:r>
+                    <m:r>
+                      <a:rPr kumimoji="1" lang="en-US" altLang="zh-CN" sz="3600" b="0" i="1" dirty="0" smtClean="0">
+                        <a:latin typeface="Cambria Math" panose="02040503050406030204" pitchFamily="18" charset="0"/>
+                        <a:cs typeface="Times New Roman" panose="02020603050405020304" pitchFamily="18" charset="0"/>
+                      </a:rPr>
+                      <m:t>=0.2</m:t>
+                    </m:r>
+                  </m:oMath>
+                </a14:m>
+                <a:endParaRPr kumimoji="1" lang="zh-CN" altLang="en-US" sz="3600" dirty="0">
+                  <a:latin typeface="Times New Roman" panose="02020603050405020304" pitchFamily="18" charset="0"/>
+                  <a:cs typeface="Times New Roman" panose="02020603050405020304" pitchFamily="18" charset="0"/>
+                </a:endParaRPr>
+              </a:p>
+            </p:txBody>
+          </p:sp>
+        </mc:Choice>
+        <mc:Fallback>
+          <p:sp>
+            <p:nvSpPr>
+              <p:cNvPr id="4" name="标题 1">
+                <a:extLst>
+                  <a:ext uri="{FF2B5EF4-FFF2-40B4-BE49-F238E27FC236}">
+                    <a16:creationId xmlns:a16="http://schemas.microsoft.com/office/drawing/2014/main" id="{145173B0-40C7-7945-A39F-52F92A60DFA5}"/>
+                  </a:ext>
+                </a:extLst>
+              </p:cNvPr>
+              <p:cNvSpPr>
+                <a:spLocks noGrp="1" noRot="1" noChangeAspect="1" noMove="1" noResize="1" noEditPoints="1" noAdjustHandles="1" noChangeArrowheads="1" noChangeShapeType="1" noTextEdit="1"/>
+              </p:cNvSpPr>
+              <p:nvPr>
+                <p:ph type="title"/>
+              </p:nvPr>
+            </p:nvSpPr>
+            <p:spPr>
+              <a:xfrm>
+                <a:off x="187271" y="115019"/>
+                <a:ext cx="6523496" cy="595770"/>
+              </a:xfrm>
+              <a:blipFill>
+                <a:blip r:embed="rId2"/>
+                <a:stretch>
+                  <a:fillRect l="-2718" t="-25000" b="-33333"/>
+                </a:stretch>
+              </a:blipFill>
+            </p:spPr>
+            <p:txBody>
+              <a:bodyPr/>
+              <a:lstStyle/>
+              <a:p>
+                <a:r>
+                  <a:rPr lang="zh-CN" altLang="en-US">
+                    <a:noFill/>
+                  </a:rPr>
+                  <a:t> </a:t>
+                </a:r>
+              </a:p>
+            </p:txBody>
+          </p:sp>
+        </mc:Fallback>
+      </mc:AlternateContent>
+      <p:pic>
+        <p:nvPicPr>
+          <p:cNvPr id="7" name="图片 6">
+            <a:extLst>
+              <a:ext uri="{FF2B5EF4-FFF2-40B4-BE49-F238E27FC236}">
+                <a16:creationId xmlns:a16="http://schemas.microsoft.com/office/drawing/2014/main" id="{7218171E-7CB6-E44E-BE46-023020D44562}"/>
+              </a:ext>
+            </a:extLst>
+          </p:cNvPr>
+          <p:cNvPicPr>
+            <a:picLocks noChangeAspect="1"/>
+          </p:cNvPicPr>
+          <p:nvPr/>
+        </p:nvPicPr>
+        <p:blipFill>
+          <a:blip r:embed="rId3"/>
+          <a:stretch>
+            <a:fillRect/>
+          </a:stretch>
+        </p:blipFill>
+        <p:spPr>
+          <a:xfrm>
+            <a:off x="1089498" y="928065"/>
+            <a:ext cx="5729972" cy="4231037"/>
+          </a:xfrm>
+          <a:prstGeom prst="rect">
+            <a:avLst/>
+          </a:prstGeom>
+        </p:spPr>
+      </p:pic>
+      <mc:AlternateContent xmlns:mc="http://schemas.openxmlformats.org/markup-compatibility/2006">
+        <mc:Choice xmlns:a14="http://schemas.microsoft.com/office/drawing/2010/main" Requires="a14">
+          <p:sp>
+            <p:nvSpPr>
+              <p:cNvPr id="8" name="文本框 7">
+                <a:extLst>
+                  <a:ext uri="{FF2B5EF4-FFF2-40B4-BE49-F238E27FC236}">
+                    <a16:creationId xmlns:a16="http://schemas.microsoft.com/office/drawing/2014/main" id="{B2197D6E-D735-A549-8AA2-D0A15ED504B4}"/>
+                  </a:ext>
+                </a:extLst>
+              </p:cNvPr>
+              <p:cNvSpPr txBox="1"/>
+              <p:nvPr/>
+            </p:nvSpPr>
+            <p:spPr>
+              <a:xfrm>
+                <a:off x="805543" y="5468270"/>
+                <a:ext cx="8533473" cy="923330"/>
+              </a:xfrm>
+              <a:prstGeom prst="rect">
+                <a:avLst/>
+              </a:prstGeom>
+              <a:noFill/>
+            </p:spPr>
+            <p:txBody>
+              <a:bodyPr wrap="square" rtlCol="0">
+                <a:spAutoFit/>
+              </a:bodyPr>
+              <a:lstStyle/>
+              <a:p>
+                <a:r>
+                  <a:rPr kumimoji="1" lang="en-US" altLang="zh-CN" dirty="0">
+                    <a:latin typeface="Times New Roman" panose="02020603050405020304" pitchFamily="18" charset="0"/>
+                    <a:cs typeface="Times New Roman" panose="02020603050405020304" pitchFamily="18" charset="0"/>
+                  </a:rPr>
+                  <a:t>D=14000  strange state </a:t>
+                </a:r>
+                <a14:m>
+                  <m:oMath xmlns:m="http://schemas.openxmlformats.org/officeDocument/2006/math">
+                    <m:sSub>
+                      <m:sSubPr>
+                        <m:ctrlPr>
+                          <a:rPr kumimoji="1" lang="en-US" altLang="zh-CN" b="0" i="1" dirty="0" smtClean="0">
+                            <a:latin typeface="Cambria Math" panose="02040503050406030204" pitchFamily="18" charset="0"/>
+                            <a:cs typeface="Times New Roman" panose="02020603050405020304" pitchFamily="18" charset="0"/>
+                          </a:rPr>
+                        </m:ctrlPr>
+                      </m:sSubPr>
+                      <m:e>
+                        <m:r>
+                          <a:rPr kumimoji="1" lang="en-US" altLang="zh-CN" i="1" dirty="0" smtClean="0">
+                            <a:latin typeface="Cambria Math" panose="02040503050406030204" pitchFamily="18" charset="0"/>
+                            <a:cs typeface="Times New Roman" panose="02020603050405020304" pitchFamily="18" charset="0"/>
+                          </a:rPr>
+                          <m:t>𝐸</m:t>
+                        </m:r>
+                      </m:e>
+                      <m:sub>
+                        <m:r>
+                          <a:rPr kumimoji="1" lang="en-US" altLang="zh-CN" b="0" i="1" dirty="0" smtClean="0">
+                            <a:latin typeface="Cambria Math" panose="02040503050406030204" pitchFamily="18" charset="0"/>
+                            <a:cs typeface="Times New Roman" panose="02020603050405020304" pitchFamily="18" charset="0"/>
+                          </a:rPr>
+                          <m:t>0</m:t>
+                        </m:r>
+                      </m:sub>
+                    </m:sSub>
+                    <m:r>
+                      <a:rPr kumimoji="1" lang="en-US" altLang="zh-CN" i="1" dirty="0">
+                        <a:latin typeface="Cambria Math" panose="02040503050406030204" pitchFamily="18" charset="0"/>
+                        <a:cs typeface="Times New Roman" panose="02020603050405020304" pitchFamily="18" charset="0"/>
+                      </a:rPr>
+                      <m:t>=</m:t>
+                    </m:r>
+                    <m:r>
+                      <a:rPr lang="en-US" altLang="zh-CN" i="1" dirty="0">
+                        <a:latin typeface="Cambria Math" panose="02040503050406030204" pitchFamily="18" charset="0"/>
+                      </a:rPr>
+                      <m:t>−</m:t>
+                    </m:r>
+                    <m:r>
+                      <a:rPr lang="en-US" altLang="zh-CN" i="1" dirty="0">
+                        <a:latin typeface="Cambria Math" panose="02040503050406030204" pitchFamily="18" charset="0"/>
+                        <a:cs typeface="Times New Roman" panose="02020603050405020304" pitchFamily="18" charset="0"/>
+                      </a:rPr>
+                      <m:t>186.237(1)</m:t>
+                    </m:r>
+                  </m:oMath>
+                </a14:m>
+                <a:r>
+                  <a:rPr lang="zh-CN" altLang="en-US" dirty="0">
+                    <a:latin typeface="Times New Roman" panose="02020603050405020304" pitchFamily="18" charset="0"/>
+                    <a:cs typeface="Times New Roman" panose="02020603050405020304" pitchFamily="18" charset="0"/>
+                  </a:rPr>
+                  <a:t>。</a:t>
+                </a:r>
+                <a:endParaRPr lang="en-US" altLang="zh-CN" dirty="0">
+                  <a:latin typeface="Times New Roman" panose="02020603050405020304" pitchFamily="18" charset="0"/>
+                  <a:cs typeface="Times New Roman" panose="02020603050405020304" pitchFamily="18" charset="0"/>
+                </a:endParaRPr>
+              </a:p>
+              <a:p>
+                <a:r>
+                  <a:rPr lang="en-US" altLang="zh-CN" dirty="0">
+                    <a:latin typeface="Times New Roman" panose="02020603050405020304" pitchFamily="18" charset="0"/>
+                    <a:cs typeface="Times New Roman" panose="02020603050405020304" pitchFamily="18" charset="0"/>
+                  </a:rPr>
+                  <a:t>D=14000 filled stripe </a:t>
+                </a:r>
+                <a14:m>
+                  <m:oMath xmlns:m="http://schemas.openxmlformats.org/officeDocument/2006/math">
+                    <m:sSub>
+                      <m:sSubPr>
+                        <m:ctrlPr>
+                          <a:rPr lang="en-US" altLang="zh-CN" b="0" i="1" dirty="0" smtClean="0">
+                            <a:latin typeface="Cambria Math" panose="02040503050406030204" pitchFamily="18" charset="0"/>
+                            <a:cs typeface="Times New Roman" panose="02020603050405020304" pitchFamily="18" charset="0"/>
+                          </a:rPr>
+                        </m:ctrlPr>
+                      </m:sSubPr>
+                      <m:e>
+                        <m:r>
+                          <a:rPr lang="en-US" altLang="zh-CN" i="1" dirty="0" smtClean="0">
+                            <a:latin typeface="Cambria Math" panose="02040503050406030204" pitchFamily="18" charset="0"/>
+                            <a:cs typeface="Times New Roman" panose="02020603050405020304" pitchFamily="18" charset="0"/>
+                          </a:rPr>
+                          <m:t>𝐸</m:t>
+                        </m:r>
+                      </m:e>
+                      <m:sub>
+                        <m:r>
+                          <a:rPr lang="en-US" altLang="zh-CN" b="0" i="1" dirty="0" smtClean="0">
+                            <a:latin typeface="Cambria Math" panose="02040503050406030204" pitchFamily="18" charset="0"/>
+                            <a:cs typeface="Times New Roman" panose="02020603050405020304" pitchFamily="18" charset="0"/>
+                          </a:rPr>
+                          <m:t>0</m:t>
+                        </m:r>
+                      </m:sub>
+                    </m:sSub>
+                    <m:r>
+                      <a:rPr lang="en-US" altLang="zh-CN" i="1" dirty="0">
+                        <a:latin typeface="Cambria Math" panose="02040503050406030204" pitchFamily="18" charset="0"/>
+                        <a:cs typeface="Times New Roman" panose="02020603050405020304" pitchFamily="18" charset="0"/>
+                      </a:rPr>
+                      <m:t>=−186.267(1)</m:t>
+                    </m:r>
+                  </m:oMath>
+                </a14:m>
+                <a:r>
+                  <a:rPr lang="zh-CN" altLang="en-US" dirty="0">
+                    <a:latin typeface="Times New Roman" panose="02020603050405020304" pitchFamily="18" charset="0"/>
+                    <a:cs typeface="Times New Roman" panose="02020603050405020304" pitchFamily="18" charset="0"/>
+                  </a:rPr>
+                  <a:t>，</a:t>
+                </a:r>
+                <a:endParaRPr lang="en-US" altLang="zh-CN" dirty="0">
+                  <a:latin typeface="Times New Roman" panose="02020603050405020304" pitchFamily="18" charset="0"/>
+                  <a:cs typeface="Times New Roman" panose="02020603050405020304" pitchFamily="18" charset="0"/>
+                </a:endParaRPr>
+              </a:p>
+              <a:p>
+                <a:r>
+                  <a:rPr lang="en-US" altLang="zh-CN" dirty="0">
+                    <a:latin typeface="Times New Roman" panose="02020603050405020304" pitchFamily="18" charset="0"/>
+                    <a:cs typeface="Times New Roman" panose="02020603050405020304" pitchFamily="18" charset="0"/>
+                  </a:rPr>
+                  <a:t>Whatever the wave length of pinning field is 4 or 8, the ground state is always filled stripe.</a:t>
+                </a:r>
+              </a:p>
+            </p:txBody>
+          </p:sp>
+        </mc:Choice>
+        <mc:Fallback>
+          <p:sp>
+            <p:nvSpPr>
+              <p:cNvPr id="8" name="文本框 7">
+                <a:extLst>
+                  <a:ext uri="{FF2B5EF4-FFF2-40B4-BE49-F238E27FC236}">
+                    <a16:creationId xmlns:a16="http://schemas.microsoft.com/office/drawing/2014/main" id="{B2197D6E-D735-A549-8AA2-D0A15ED504B4}"/>
+                  </a:ext>
+                </a:extLst>
+              </p:cNvPr>
+              <p:cNvSpPr txBox="1">
+                <a:spLocks noRot="1" noChangeAspect="1" noMove="1" noResize="1" noEditPoints="1" noAdjustHandles="1" noChangeArrowheads="1" noChangeShapeType="1" noTextEdit="1"/>
+              </p:cNvSpPr>
+              <p:nvPr/>
+            </p:nvSpPr>
+            <p:spPr>
+              <a:xfrm>
+                <a:off x="805543" y="5468270"/>
+                <a:ext cx="8533473" cy="923330"/>
+              </a:xfrm>
+              <a:prstGeom prst="rect">
+                <a:avLst/>
+              </a:prstGeom>
+              <a:blipFill>
+                <a:blip r:embed="rId4"/>
+                <a:stretch>
+                  <a:fillRect l="-594" t="-2703" r="-149" b="-9459"/>
+                </a:stretch>
+              </a:blipFill>
+            </p:spPr>
+            <p:txBody>
+              <a:bodyPr/>
+              <a:lstStyle/>
+              <a:p>
+                <a:r>
+                  <a:rPr lang="zh-CN" altLang="en-US">
+                    <a:noFill/>
+                  </a:rPr>
+                  <a:t> </a:t>
+                </a:r>
+              </a:p>
+            </p:txBody>
+          </p:sp>
+        </mc:Fallback>
+      </mc:AlternateContent>
+      <p:pic>
+        <p:nvPicPr>
+          <p:cNvPr id="9" name="图片 8">
+            <a:extLst>
+              <a:ext uri="{FF2B5EF4-FFF2-40B4-BE49-F238E27FC236}">
+                <a16:creationId xmlns:a16="http://schemas.microsoft.com/office/drawing/2014/main" id="{43AE3B3D-05E3-BE40-880A-8C0B540EDACA}"/>
+              </a:ext>
+            </a:extLst>
+          </p:cNvPr>
+          <p:cNvPicPr>
+            <a:picLocks noChangeAspect="1"/>
+          </p:cNvPicPr>
+          <p:nvPr/>
+        </p:nvPicPr>
+        <p:blipFill>
+          <a:blip r:embed="rId5"/>
+          <a:stretch>
+            <a:fillRect/>
+          </a:stretch>
+        </p:blipFill>
+        <p:spPr>
+          <a:xfrm>
+            <a:off x="7610185" y="854914"/>
+            <a:ext cx="4303519" cy="3333555"/>
+          </a:xfrm>
+          <a:prstGeom prst="rect">
+            <a:avLst/>
+          </a:prstGeom>
+        </p:spPr>
+      </p:pic>
+      <mc:AlternateContent xmlns:mc="http://schemas.openxmlformats.org/markup-compatibility/2006">
+        <mc:Choice xmlns:a14="http://schemas.microsoft.com/office/drawing/2010/main" Requires="a14">
+          <p:sp>
+            <p:nvSpPr>
+              <p:cNvPr id="10" name="文本框 9">
+                <a:extLst>
+                  <a:ext uri="{FF2B5EF4-FFF2-40B4-BE49-F238E27FC236}">
+                    <a16:creationId xmlns:a16="http://schemas.microsoft.com/office/drawing/2014/main" id="{1C4C3AFD-DE05-F54F-8A06-0CA52739DF7D}"/>
+                  </a:ext>
+                </a:extLst>
+              </p:cNvPr>
+              <p:cNvSpPr txBox="1"/>
+              <p:nvPr/>
+            </p:nvSpPr>
+            <p:spPr>
+              <a:xfrm>
+                <a:off x="8318547" y="4506994"/>
+                <a:ext cx="2886793" cy="923330"/>
+              </a:xfrm>
+              <a:prstGeom prst="rect">
+                <a:avLst/>
+              </a:prstGeom>
+              <a:noFill/>
+            </p:spPr>
+            <p:txBody>
+              <a:bodyPr wrap="square" rtlCol="0">
+                <a:spAutoFit/>
+              </a:bodyPr>
+              <a:lstStyle/>
+              <a:p>
+                <a:r>
+                  <a:rPr kumimoji="1" lang="en-US" altLang="zh-CN" dirty="0">
+                    <a:latin typeface="Times New Roman" panose="02020603050405020304" pitchFamily="18" charset="0"/>
+                    <a:cs typeface="Times New Roman" panose="02020603050405020304" pitchFamily="18" charset="0"/>
+                  </a:rPr>
+                  <a:t>yy-bond correlation</a:t>
+                </a:r>
+              </a:p>
+              <a:p>
+                <a14:m>
+                  <m:oMathPara xmlns:m="http://schemas.openxmlformats.org/officeDocument/2006/math">
+                    <m:oMathParaPr>
+                      <m:jc m:val="centerGroup"/>
+                    </m:oMathParaPr>
+                    <m:oMath xmlns:m="http://schemas.openxmlformats.org/officeDocument/2006/math">
+                      <m:r>
+                        <a:rPr kumimoji="1" lang="en-US" altLang="zh-CN" i="1" dirty="0" smtClean="0">
+                          <a:latin typeface="Cambria Math" panose="02040503050406030204" pitchFamily="18" charset="0"/>
+                          <a:cs typeface="Times New Roman" panose="02020603050405020304" pitchFamily="18" charset="0"/>
+                        </a:rPr>
+                        <m:t>𝐷</m:t>
+                      </m:r>
+                      <m:r>
+                        <a:rPr kumimoji="1" lang="en-US" altLang="zh-CN" i="1" dirty="0" smtClean="0">
+                          <a:latin typeface="Cambria Math" panose="02040503050406030204" pitchFamily="18" charset="0"/>
+                          <a:cs typeface="Times New Roman" panose="02020603050405020304" pitchFamily="18" charset="0"/>
+                        </a:rPr>
+                        <m:t>=14000</m:t>
+                      </m:r>
+                    </m:oMath>
+                  </m:oMathPara>
+                </a14:m>
+                <a:endParaRPr kumimoji="1" lang="en-US" altLang="zh-CN" dirty="0">
+                  <a:latin typeface="Times New Roman" panose="02020603050405020304" pitchFamily="18" charset="0"/>
+                  <a:cs typeface="Times New Roman" panose="02020603050405020304" pitchFamily="18" charset="0"/>
+                </a:endParaRPr>
+              </a:p>
+              <a:p>
+                <a14:m>
+                  <m:oMathPara xmlns:m="http://schemas.openxmlformats.org/officeDocument/2006/math">
+                    <m:oMathParaPr>
+                      <m:jc m:val="centerGroup"/>
+                    </m:oMathParaPr>
+                    <m:oMath xmlns:m="http://schemas.openxmlformats.org/officeDocument/2006/math">
+                      <m:sSub>
+                        <m:sSubPr>
+                          <m:ctrlPr>
+                            <a:rPr kumimoji="1" lang="en-US" altLang="zh-CN" b="0" i="1" dirty="0" smtClean="0">
+                              <a:latin typeface="Cambria Math" panose="02040503050406030204" pitchFamily="18" charset="0"/>
+                              <a:cs typeface="Times New Roman" panose="02020603050405020304" pitchFamily="18" charset="0"/>
+                            </a:rPr>
+                          </m:ctrlPr>
+                        </m:sSubPr>
+                        <m:e>
+                          <m:r>
+                            <a:rPr kumimoji="1" lang="en-US" altLang="zh-CN" i="1" dirty="0" smtClean="0">
+                              <a:latin typeface="Cambria Math" panose="02040503050406030204" pitchFamily="18" charset="0"/>
+                              <a:cs typeface="Times New Roman" panose="02020603050405020304" pitchFamily="18" charset="0"/>
+                            </a:rPr>
+                            <m:t>𝐾</m:t>
+                          </m:r>
+                        </m:e>
+                        <m:sub>
+                          <m:r>
+                            <a:rPr kumimoji="1" lang="en-US" altLang="zh-CN" i="1" dirty="0" smtClean="0">
+                              <a:latin typeface="Cambria Math" panose="02040503050406030204" pitchFamily="18" charset="0"/>
+                              <a:cs typeface="Times New Roman" panose="02020603050405020304" pitchFamily="18" charset="0"/>
+                            </a:rPr>
+                            <m:t>𝑠𝑐</m:t>
+                          </m:r>
+                        </m:sub>
+                      </m:sSub>
+                      <m:r>
+                        <a:rPr kumimoji="1" lang="en-US" altLang="zh-CN" i="1" dirty="0" smtClean="0">
+                          <a:latin typeface="Cambria Math" panose="02040503050406030204" pitchFamily="18" charset="0"/>
+                          <a:cs typeface="Times New Roman" panose="02020603050405020304" pitchFamily="18" charset="0"/>
+                        </a:rPr>
+                        <m:t> = 3.09 / </m:t>
+                      </m:r>
+                      <m:r>
+                        <a:rPr kumimoji="1" lang="en-US" altLang="zh-CN" i="1" dirty="0">
+                          <a:latin typeface="Cambria Math" panose="02040503050406030204" pitchFamily="18" charset="0"/>
+                        </a:rPr>
+                        <m:t>𝜉</m:t>
+                      </m:r>
+                      <m:r>
+                        <a:rPr kumimoji="1" lang="en-US" altLang="zh-CN" i="1" dirty="0" smtClean="0">
+                          <a:latin typeface="Cambria Math" panose="02040503050406030204" pitchFamily="18" charset="0"/>
+                          <a:cs typeface="Times New Roman" panose="02020603050405020304" pitchFamily="18" charset="0"/>
+                        </a:rPr>
+                        <m:t> = 2.87</m:t>
+                      </m:r>
+                    </m:oMath>
+                  </m:oMathPara>
+                </a14:m>
+                <a:endParaRPr kumimoji="1" lang="zh-CN" altLang="en-US" dirty="0">
+                  <a:latin typeface="Times New Roman" panose="02020603050405020304" pitchFamily="18" charset="0"/>
+                  <a:cs typeface="Times New Roman" panose="02020603050405020304" pitchFamily="18" charset="0"/>
+                </a:endParaRPr>
+              </a:p>
+            </p:txBody>
+          </p:sp>
+        </mc:Choice>
+        <mc:Fallback>
+          <p:sp>
+            <p:nvSpPr>
+              <p:cNvPr id="10" name="文本框 9">
+                <a:extLst>
+                  <a:ext uri="{FF2B5EF4-FFF2-40B4-BE49-F238E27FC236}">
+                    <a16:creationId xmlns:a16="http://schemas.microsoft.com/office/drawing/2014/main" id="{1C4C3AFD-DE05-F54F-8A06-0CA52739DF7D}"/>
+                  </a:ext>
+                </a:extLst>
+              </p:cNvPr>
+              <p:cNvSpPr txBox="1">
+                <a:spLocks noRot="1" noChangeAspect="1" noMove="1" noResize="1" noEditPoints="1" noAdjustHandles="1" noChangeArrowheads="1" noChangeShapeType="1" noTextEdit="1"/>
+              </p:cNvSpPr>
+              <p:nvPr/>
+            </p:nvSpPr>
+            <p:spPr>
+              <a:xfrm>
+                <a:off x="8318547" y="4506994"/>
+                <a:ext cx="2886793" cy="923330"/>
+              </a:xfrm>
+              <a:prstGeom prst="rect">
+                <a:avLst/>
+              </a:prstGeom>
+              <a:blipFill>
+                <a:blip r:embed="rId6"/>
+                <a:stretch>
+                  <a:fillRect l="-2193" t="-2703" b="-6757"/>
+                </a:stretch>
+              </a:blipFill>
+            </p:spPr>
+            <p:txBody>
+              <a:bodyPr/>
+              <a:lstStyle/>
+              <a:p>
+                <a:r>
+                  <a:rPr lang="zh-CN" altLang="en-US">
+                    <a:noFill/>
+                  </a:rPr>
+                  <a:t> </a:t>
+                </a:r>
+              </a:p>
+            </p:txBody>
+          </p:sp>
+        </mc:Fallback>
+      </mc:AlternateContent>
+    </p:spTree>
+    <p:extLst>
+      <p:ext uri="{BB962C8B-B14F-4D97-AF65-F5344CB8AC3E}">
+        <p14:creationId xmlns:p14="http://schemas.microsoft.com/office/powerpoint/2010/main" val="2865262755"/>
+      </p:ext>
+    </p:extLst>
+  </p:cSld>
+  <p:clrMapOvr>
+    <a:masterClrMapping/>
+  </p:clrMapOvr>
+</p:sld>
+</file>
+
+<file path=ppt/slides/slide4.xml><?xml version="1.0" encoding="utf-8"?>
+<p:sld xmlns:a="http://schemas.openxmlformats.org/drawingml/2006/main" xmlns:r="http://schemas.openxmlformats.org/officeDocument/2006/relationships" xmlns:p="http://schemas.openxmlformats.org/presentationml/2006/main">
+  <p:cSld>
+    <p:spTree>
+      <p:nvGrpSpPr>
+        <p:cNvPr id="1" name=""/>
+        <p:cNvGrpSpPr/>
+        <p:nvPr/>
+      </p:nvGrpSpPr>
+      <p:grpSpPr>
+        <a:xfrm>
+          <a:off x="0" y="0"/>
+          <a:ext cx="0" cy="0"/>
+          <a:chOff x="0" y="0"/>
+          <a:chExt cx="0" cy="0"/>
+        </a:xfrm>
+      </p:grpSpPr>
+      <mc:AlternateContent xmlns:mc="http://schemas.openxmlformats.org/markup-compatibility/2006">
+        <mc:Choice xmlns:a14="http://schemas.microsoft.com/office/drawing/2010/main" Requires="a14">
+          <p:sp>
+            <p:nvSpPr>
+              <p:cNvPr id="4" name="标题 1">
+                <a:extLst>
+                  <a:ext uri="{FF2B5EF4-FFF2-40B4-BE49-F238E27FC236}">
+                    <a16:creationId xmlns:a16="http://schemas.microsoft.com/office/drawing/2014/main" id="{2A384482-3EA9-AC44-B3C7-AD51BA250450}"/>
+                  </a:ext>
+                </a:extLst>
+              </p:cNvPr>
+              <p:cNvSpPr>
+                <a:spLocks noGrp="1"/>
+              </p:cNvSpPr>
+              <p:nvPr>
+                <p:ph type="title"/>
+              </p:nvPr>
+            </p:nvSpPr>
+            <p:spPr>
+              <a:xfrm>
+                <a:off x="187271" y="115019"/>
+                <a:ext cx="6523496" cy="595770"/>
+              </a:xfrm>
+            </p:spPr>
+            <p:txBody>
+              <a:bodyPr>
+                <a:normAutofit/>
+              </a:bodyPr>
+              <a:lstStyle/>
+              <a:p>
+                <a:r>
+                  <a:rPr kumimoji="1" lang="en-US" altLang="zh-CN" sz="3600" dirty="0">
+                    <a:latin typeface="Times New Roman" panose="02020603050405020304" pitchFamily="18" charset="0"/>
+                    <a:cs typeface="Times New Roman" panose="02020603050405020304" pitchFamily="18" charset="0"/>
+                  </a:rPr>
+                  <a:t>Holstein-Hubbard, </a:t>
+                </a:r>
+                <a14:m>
+                  <m:oMath xmlns:m="http://schemas.openxmlformats.org/officeDocument/2006/math">
+                    <m:r>
+                      <a:rPr kumimoji="1" lang="en-US" altLang="zh-CN" sz="3600" b="0" i="1" dirty="0" smtClean="0">
+                        <a:latin typeface="Cambria Math" panose="02040503050406030204" pitchFamily="18" charset="0"/>
+                        <a:cs typeface="Times New Roman" panose="02020603050405020304" pitchFamily="18" charset="0"/>
+                      </a:rPr>
+                      <m:t>𝜆</m:t>
+                    </m:r>
+                    <m:r>
+                      <a:rPr kumimoji="1" lang="en-US" altLang="zh-CN" sz="3600" b="0" i="1" dirty="0" smtClean="0">
+                        <a:latin typeface="Cambria Math" panose="02040503050406030204" pitchFamily="18" charset="0"/>
+                        <a:cs typeface="Times New Roman" panose="02020603050405020304" pitchFamily="18" charset="0"/>
+                      </a:rPr>
+                      <m:t>=0.3</m:t>
+                    </m:r>
+                  </m:oMath>
+                </a14:m>
+                <a:endParaRPr kumimoji="1" lang="zh-CN" altLang="en-US" sz="3600" dirty="0">
+                  <a:latin typeface="Times New Roman" panose="02020603050405020304" pitchFamily="18" charset="0"/>
+                  <a:cs typeface="Times New Roman" panose="02020603050405020304" pitchFamily="18" charset="0"/>
+                </a:endParaRPr>
+              </a:p>
+            </p:txBody>
+          </p:sp>
+        </mc:Choice>
+        <mc:Fallback>
+          <p:sp>
+            <p:nvSpPr>
+              <p:cNvPr id="4" name="标题 1">
+                <a:extLst>
+                  <a:ext uri="{FF2B5EF4-FFF2-40B4-BE49-F238E27FC236}">
+                    <a16:creationId xmlns:a16="http://schemas.microsoft.com/office/drawing/2014/main" id="{2A384482-3EA9-AC44-B3C7-AD51BA250450}"/>
+                  </a:ext>
+                </a:extLst>
+              </p:cNvPr>
+              <p:cNvSpPr>
+                <a:spLocks noGrp="1" noRot="1" noChangeAspect="1" noMove="1" noResize="1" noEditPoints="1" noAdjustHandles="1" noChangeArrowheads="1" noChangeShapeType="1" noTextEdit="1"/>
+              </p:cNvSpPr>
+              <p:nvPr>
+                <p:ph type="title"/>
+              </p:nvPr>
+            </p:nvSpPr>
+            <p:spPr>
+              <a:xfrm>
+                <a:off x="187271" y="115019"/>
+                <a:ext cx="6523496" cy="595770"/>
+              </a:xfrm>
+              <a:blipFill>
+                <a:blip r:embed="rId2"/>
+                <a:stretch>
+                  <a:fillRect l="-2718" t="-25000" b="-33333"/>
+                </a:stretch>
+              </a:blipFill>
+            </p:spPr>
+            <p:txBody>
+              <a:bodyPr/>
+              <a:lstStyle/>
+              <a:p>
+                <a:r>
+                  <a:rPr lang="zh-CN" altLang="en-US">
+                    <a:noFill/>
+                  </a:rPr>
+                  <a:t> </a:t>
+                </a:r>
+              </a:p>
+            </p:txBody>
+          </p:sp>
+        </mc:Fallback>
+      </mc:AlternateContent>
+      <p:pic>
+        <p:nvPicPr>
+          <p:cNvPr id="5" name="图片 4">
+            <a:extLst>
+              <a:ext uri="{FF2B5EF4-FFF2-40B4-BE49-F238E27FC236}">
+                <a16:creationId xmlns:a16="http://schemas.microsoft.com/office/drawing/2014/main" id="{1EDA660A-994D-114E-ADEF-8053F028FED2}"/>
+              </a:ext>
+            </a:extLst>
+          </p:cNvPr>
+          <p:cNvPicPr>
+            <a:picLocks noChangeAspect="1"/>
+          </p:cNvPicPr>
+          <p:nvPr/>
+        </p:nvPicPr>
+        <p:blipFill>
+          <a:blip r:embed="rId3"/>
+          <a:stretch>
+            <a:fillRect/>
+          </a:stretch>
+        </p:blipFill>
+        <p:spPr>
+          <a:xfrm>
+            <a:off x="-46265" y="1280885"/>
+            <a:ext cx="5140779" cy="3848069"/>
+          </a:xfrm>
+          <a:prstGeom prst="rect">
+            <a:avLst/>
+          </a:prstGeom>
+        </p:spPr>
+      </p:pic>
+      <p:sp>
+        <p:nvSpPr>
+          <p:cNvPr id="6" name="文本框 5">
+            <a:extLst>
+              <a:ext uri="{FF2B5EF4-FFF2-40B4-BE49-F238E27FC236}">
+                <a16:creationId xmlns:a16="http://schemas.microsoft.com/office/drawing/2014/main" id="{CA4208FB-E430-ED48-B39D-9C5284088D48}"/>
+              </a:ext>
+            </a:extLst>
+          </p:cNvPr>
+          <p:cNvSpPr txBox="1"/>
+          <p:nvPr/>
+        </p:nvSpPr>
+        <p:spPr>
+          <a:xfrm>
+            <a:off x="187271" y="5766149"/>
+            <a:ext cx="5563127" cy="646331"/>
+          </a:xfrm>
+          <a:prstGeom prst="rect">
+            <a:avLst/>
+          </a:prstGeom>
+          <a:noFill/>
+        </p:spPr>
+        <p:txBody>
+          <a:bodyPr wrap="square" rtlCol="0">
+            <a:spAutoFit/>
+          </a:bodyPr>
+          <a:lstStyle/>
+          <a:p>
+            <a:r>
+              <a:rPr kumimoji="1" lang="en-US" altLang="zh-CN" dirty="0">
+                <a:latin typeface="Times New Roman" panose="02020603050405020304" pitchFamily="18" charset="0"/>
+                <a:cs typeface="Times New Roman" panose="02020603050405020304" pitchFamily="18" charset="0"/>
+              </a:rPr>
+              <a:t>Up to now, we only get the strange state. We expect it is a filled stripe when we add the chemical potential.</a:t>
+            </a:r>
+            <a:endParaRPr kumimoji="1" lang="zh-CN" altLang="en-US" dirty="0">
+              <a:latin typeface="Times New Roman" panose="02020603050405020304" pitchFamily="18" charset="0"/>
+              <a:cs typeface="Times New Roman" panose="02020603050405020304" pitchFamily="18" charset="0"/>
+            </a:endParaRPr>
+          </a:p>
+        </p:txBody>
+      </p:sp>
+      <p:pic>
+        <p:nvPicPr>
+          <p:cNvPr id="7" name="图片 6">
+            <a:extLst>
+              <a:ext uri="{FF2B5EF4-FFF2-40B4-BE49-F238E27FC236}">
+                <a16:creationId xmlns:a16="http://schemas.microsoft.com/office/drawing/2014/main" id="{12E4460E-D1E4-DB42-ABDB-3BF14AFEAF7A}"/>
+              </a:ext>
+            </a:extLst>
+          </p:cNvPr>
+          <p:cNvPicPr>
+            <a:picLocks noChangeAspect="1"/>
+          </p:cNvPicPr>
+          <p:nvPr/>
+        </p:nvPicPr>
+        <p:blipFill>
+          <a:blip r:embed="rId4"/>
+          <a:stretch>
+            <a:fillRect/>
+          </a:stretch>
+        </p:blipFill>
+        <p:spPr>
+          <a:xfrm>
+            <a:off x="5838372" y="1280885"/>
+            <a:ext cx="5656942" cy="3791680"/>
+          </a:xfrm>
+          <a:prstGeom prst="rect">
+            <a:avLst/>
+          </a:prstGeom>
+        </p:spPr>
+      </p:pic>
+      <mc:AlternateContent xmlns:mc="http://schemas.openxmlformats.org/markup-compatibility/2006">
+        <mc:Choice xmlns:a14="http://schemas.microsoft.com/office/drawing/2010/main" Requires="a14">
+          <p:sp>
+            <p:nvSpPr>
+              <p:cNvPr id="8" name="文本框 7">
+                <a:extLst>
+                  <a:ext uri="{FF2B5EF4-FFF2-40B4-BE49-F238E27FC236}">
+                    <a16:creationId xmlns:a16="http://schemas.microsoft.com/office/drawing/2014/main" id="{5E9FF4D6-816F-7F4C-AAD2-F70F9BCF78E3}"/>
+                  </a:ext>
+                </a:extLst>
+              </p:cNvPr>
+              <p:cNvSpPr txBox="1"/>
+              <p:nvPr/>
+            </p:nvSpPr>
+            <p:spPr>
+              <a:xfrm>
+                <a:off x="1938066" y="1877785"/>
+                <a:ext cx="1172116" cy="276999"/>
+              </a:xfrm>
+              <a:prstGeom prst="rect">
+                <a:avLst/>
+              </a:prstGeom>
+              <a:noFill/>
+            </p:spPr>
+            <p:txBody>
+              <a:bodyPr wrap="none" lIns="0" tIns="0" rIns="0" bIns="0" rtlCol="0">
+                <a:spAutoFit/>
+              </a:bodyPr>
+              <a:lstStyle/>
+              <a:p>
+                <a14:m>
+                  <m:oMathPara xmlns:m="http://schemas.openxmlformats.org/officeDocument/2006/math">
+                    <m:oMathParaPr>
+                      <m:jc m:val="centerGroup"/>
+                    </m:oMathParaPr>
+                    <m:oMath xmlns:m="http://schemas.openxmlformats.org/officeDocument/2006/math">
+                      <m:r>
+                        <a:rPr kumimoji="1" lang="en-US" altLang="zh-CN" b="0" i="1" smtClean="0">
+                          <a:latin typeface="Cambria Math" panose="02040503050406030204" pitchFamily="18" charset="0"/>
+                        </a:rPr>
+                        <m:t>𝐷</m:t>
+                      </m:r>
+                      <m:r>
+                        <a:rPr kumimoji="1" lang="en-US" altLang="zh-CN" b="0" i="1" smtClean="0">
+                          <a:latin typeface="Cambria Math" panose="02040503050406030204" pitchFamily="18" charset="0"/>
+                        </a:rPr>
+                        <m:t>=14000</m:t>
+                      </m:r>
+                    </m:oMath>
+                  </m:oMathPara>
+                </a14:m>
+                <a:endParaRPr kumimoji="1" lang="zh-CN" altLang="en-US" dirty="0"/>
+              </a:p>
+            </p:txBody>
+          </p:sp>
+        </mc:Choice>
+        <mc:Fallback>
+          <p:sp>
+            <p:nvSpPr>
+              <p:cNvPr id="8" name="文本框 7">
+                <a:extLst>
+                  <a:ext uri="{FF2B5EF4-FFF2-40B4-BE49-F238E27FC236}">
+                    <a16:creationId xmlns:a16="http://schemas.microsoft.com/office/drawing/2014/main" id="{5E9FF4D6-816F-7F4C-AAD2-F70F9BCF78E3}"/>
+                  </a:ext>
+                </a:extLst>
+              </p:cNvPr>
+              <p:cNvSpPr txBox="1">
+                <a:spLocks noRot="1" noChangeAspect="1" noMove="1" noResize="1" noEditPoints="1" noAdjustHandles="1" noChangeArrowheads="1" noChangeShapeType="1" noTextEdit="1"/>
+              </p:cNvSpPr>
+              <p:nvPr/>
+            </p:nvSpPr>
+            <p:spPr>
+              <a:xfrm>
+                <a:off x="1938066" y="1877785"/>
+                <a:ext cx="1172116" cy="276999"/>
+              </a:xfrm>
+              <a:prstGeom prst="rect">
+                <a:avLst/>
+              </a:prstGeom>
+              <a:blipFill>
+                <a:blip r:embed="rId5"/>
+                <a:stretch>
+                  <a:fillRect l="-3226" r="-4301" b="-4348"/>
+                </a:stretch>
+              </a:blipFill>
+            </p:spPr>
+            <p:txBody>
+              <a:bodyPr/>
+              <a:lstStyle/>
+              <a:p>
+                <a:r>
+                  <a:rPr lang="zh-CN" altLang="en-US">
+                    <a:noFill/>
+                  </a:rPr>
+                  <a:t> </a:t>
+                </a:r>
+              </a:p>
+            </p:txBody>
+          </p:sp>
+        </mc:Fallback>
+      </mc:AlternateContent>
+      <mc:AlternateContent xmlns:mc="http://schemas.openxmlformats.org/markup-compatibility/2006">
+        <mc:Choice xmlns:a14="http://schemas.microsoft.com/office/drawing/2010/main" Requires="a14">
+          <p:sp>
+            <p:nvSpPr>
+              <p:cNvPr id="9" name="文本框 8">
+                <a:extLst>
+                  <a:ext uri="{FF2B5EF4-FFF2-40B4-BE49-F238E27FC236}">
+                    <a16:creationId xmlns:a16="http://schemas.microsoft.com/office/drawing/2014/main" id="{C94233D9-67A9-A940-9833-390D02708FDE}"/>
+                  </a:ext>
+                </a:extLst>
+              </p:cNvPr>
+              <p:cNvSpPr txBox="1"/>
+              <p:nvPr/>
+            </p:nvSpPr>
+            <p:spPr>
+              <a:xfrm>
+                <a:off x="8080785" y="1868873"/>
+                <a:ext cx="1043876" cy="276999"/>
+              </a:xfrm>
+              <a:prstGeom prst="rect">
+                <a:avLst/>
+              </a:prstGeom>
+              <a:noFill/>
+            </p:spPr>
+            <p:txBody>
+              <a:bodyPr wrap="none" lIns="0" tIns="0" rIns="0" bIns="0" rtlCol="0">
+                <a:spAutoFit/>
+              </a:bodyPr>
+              <a:lstStyle/>
+              <a:p>
+                <a14:m>
+                  <m:oMathPara xmlns:m="http://schemas.openxmlformats.org/officeDocument/2006/math">
+                    <m:oMathParaPr>
+                      <m:jc m:val="centerGroup"/>
+                    </m:oMathParaPr>
+                    <m:oMath xmlns:m="http://schemas.openxmlformats.org/officeDocument/2006/math">
+                      <m:r>
+                        <a:rPr kumimoji="1" lang="en-US" altLang="zh-CN" b="0" i="1" smtClean="0">
+                          <a:latin typeface="Cambria Math" panose="02040503050406030204" pitchFamily="18" charset="0"/>
+                        </a:rPr>
+                        <m:t>𝐷</m:t>
+                      </m:r>
+                      <m:r>
+                        <a:rPr kumimoji="1" lang="en-US" altLang="zh-CN" b="0" i="1" smtClean="0">
+                          <a:latin typeface="Cambria Math" panose="02040503050406030204" pitchFamily="18" charset="0"/>
+                        </a:rPr>
+                        <m:t>=7000</m:t>
+                      </m:r>
+                    </m:oMath>
+                  </m:oMathPara>
+                </a14:m>
+                <a:endParaRPr kumimoji="1" lang="zh-CN" altLang="en-US" dirty="0"/>
+              </a:p>
+            </p:txBody>
+          </p:sp>
+        </mc:Choice>
+        <mc:Fallback>
+          <p:sp>
+            <p:nvSpPr>
+              <p:cNvPr id="9" name="文本框 8">
+                <a:extLst>
+                  <a:ext uri="{FF2B5EF4-FFF2-40B4-BE49-F238E27FC236}">
+                    <a16:creationId xmlns:a16="http://schemas.microsoft.com/office/drawing/2014/main" id="{C94233D9-67A9-A940-9833-390D02708FDE}"/>
+                  </a:ext>
+                </a:extLst>
+              </p:cNvPr>
+              <p:cNvSpPr txBox="1">
+                <a:spLocks noRot="1" noChangeAspect="1" noMove="1" noResize="1" noEditPoints="1" noAdjustHandles="1" noChangeArrowheads="1" noChangeShapeType="1" noTextEdit="1"/>
+              </p:cNvSpPr>
+              <p:nvPr/>
+            </p:nvSpPr>
+            <p:spPr>
+              <a:xfrm>
+                <a:off x="8080785" y="1868873"/>
+                <a:ext cx="1043876" cy="276999"/>
+              </a:xfrm>
+              <a:prstGeom prst="rect">
+                <a:avLst/>
+              </a:prstGeom>
+              <a:blipFill>
+                <a:blip r:embed="rId6"/>
+                <a:stretch>
+                  <a:fillRect l="-4819" r="-3614" b="-9091"/>
+                </a:stretch>
+              </a:blipFill>
+            </p:spPr>
+            <p:txBody>
+              <a:bodyPr/>
+              <a:lstStyle/>
+              <a:p>
+                <a:r>
+                  <a:rPr lang="zh-CN" altLang="en-US">
+                    <a:noFill/>
+                  </a:rPr>
+                  <a:t> </a:t>
+                </a:r>
+              </a:p>
+            </p:txBody>
+          </p:sp>
+        </mc:Fallback>
+      </mc:AlternateContent>
+      <mc:AlternateContent xmlns:mc="http://schemas.openxmlformats.org/markup-compatibility/2006">
+        <mc:Choice xmlns:a14="http://schemas.microsoft.com/office/drawing/2010/main" Requires="a14">
+          <p:sp>
+            <p:nvSpPr>
+              <p:cNvPr id="10" name="文本框 9">
+                <a:extLst>
+                  <a:ext uri="{FF2B5EF4-FFF2-40B4-BE49-F238E27FC236}">
+                    <a16:creationId xmlns:a16="http://schemas.microsoft.com/office/drawing/2014/main" id="{F0C994C8-8A6C-174A-97FE-057755EC8EAB}"/>
+                  </a:ext>
+                </a:extLst>
+              </p:cNvPr>
+              <p:cNvSpPr txBox="1"/>
+              <p:nvPr/>
+            </p:nvSpPr>
+            <p:spPr>
+              <a:xfrm>
+                <a:off x="1938066" y="5300116"/>
+                <a:ext cx="857222" cy="276999"/>
+              </a:xfrm>
+              <a:prstGeom prst="rect">
+                <a:avLst/>
+              </a:prstGeom>
+              <a:noFill/>
+            </p:spPr>
+            <p:txBody>
+              <a:bodyPr wrap="none" lIns="0" tIns="0" rIns="0" bIns="0" rtlCol="0">
+                <a:spAutoFit/>
+              </a:bodyPr>
+              <a:lstStyle/>
+              <a:p>
+                <a14:m>
+                  <m:oMathPara xmlns:m="http://schemas.openxmlformats.org/officeDocument/2006/math">
+                    <m:oMathParaPr>
+                      <m:jc m:val="centerGroup"/>
+                    </m:oMathParaPr>
+                    <m:oMath xmlns:m="http://schemas.openxmlformats.org/officeDocument/2006/math">
+                      <m:sSub>
+                        <m:sSubPr>
+                          <m:ctrlPr>
+                            <a:rPr kumimoji="1" lang="en-US" altLang="zh-CN" b="0" i="1" smtClean="0">
+                              <a:latin typeface="Cambria Math" panose="02040503050406030204" pitchFamily="18" charset="0"/>
+                            </a:rPr>
+                          </m:ctrlPr>
+                        </m:sSubPr>
+                        <m:e>
+                          <m:r>
+                            <a:rPr kumimoji="1" lang="en-US" altLang="zh-CN" b="0" i="1" smtClean="0">
+                              <a:latin typeface="Cambria Math" panose="02040503050406030204" pitchFamily="18" charset="0"/>
+                            </a:rPr>
+                            <m:t>𝐿</m:t>
+                          </m:r>
+                        </m:e>
+                        <m:sub>
+                          <m:r>
+                            <a:rPr kumimoji="1" lang="en-US" altLang="zh-CN" b="0" i="1" smtClean="0">
+                              <a:latin typeface="Cambria Math" panose="02040503050406030204" pitchFamily="18" charset="0"/>
+                            </a:rPr>
+                            <m:t>𝑥</m:t>
+                          </m:r>
+                        </m:sub>
+                      </m:sSub>
+                      <m:r>
+                        <a:rPr kumimoji="1" lang="en-US" altLang="zh-CN" b="0" i="1" smtClean="0">
+                          <a:latin typeface="Cambria Math" panose="02040503050406030204" pitchFamily="18" charset="0"/>
+                        </a:rPr>
+                        <m:t>=32</m:t>
+                      </m:r>
+                    </m:oMath>
+                  </m:oMathPara>
+                </a14:m>
+                <a:endParaRPr kumimoji="1" lang="zh-CN" altLang="en-US" dirty="0"/>
+              </a:p>
+            </p:txBody>
+          </p:sp>
+        </mc:Choice>
+        <mc:Fallback>
+          <p:sp>
+            <p:nvSpPr>
+              <p:cNvPr id="10" name="文本框 9">
+                <a:extLst>
+                  <a:ext uri="{FF2B5EF4-FFF2-40B4-BE49-F238E27FC236}">
+                    <a16:creationId xmlns:a16="http://schemas.microsoft.com/office/drawing/2014/main" id="{F0C994C8-8A6C-174A-97FE-057755EC8EAB}"/>
+                  </a:ext>
+                </a:extLst>
+              </p:cNvPr>
+              <p:cNvSpPr txBox="1">
+                <a:spLocks noRot="1" noChangeAspect="1" noMove="1" noResize="1" noEditPoints="1" noAdjustHandles="1" noChangeArrowheads="1" noChangeShapeType="1" noTextEdit="1"/>
+              </p:cNvSpPr>
+              <p:nvPr/>
+            </p:nvSpPr>
+            <p:spPr>
+              <a:xfrm>
+                <a:off x="1938066" y="5300116"/>
+                <a:ext cx="857222" cy="276999"/>
+              </a:xfrm>
+              <a:prstGeom prst="rect">
+                <a:avLst/>
+              </a:prstGeom>
+              <a:blipFill>
+                <a:blip r:embed="rId7"/>
+                <a:stretch>
+                  <a:fillRect l="-4348" r="-4348" b="-8696"/>
+                </a:stretch>
+              </a:blipFill>
+            </p:spPr>
+            <p:txBody>
+              <a:bodyPr/>
+              <a:lstStyle/>
+              <a:p>
+                <a:r>
+                  <a:rPr lang="zh-CN" altLang="en-US">
+                    <a:noFill/>
+                  </a:rPr>
+                  <a:t> </a:t>
+                </a:r>
+              </a:p>
+            </p:txBody>
+          </p:sp>
+        </mc:Fallback>
+      </mc:AlternateContent>
+      <mc:AlternateContent xmlns:mc="http://schemas.openxmlformats.org/markup-compatibility/2006">
+        <mc:Choice xmlns:a14="http://schemas.microsoft.com/office/drawing/2010/main" Requires="a14">
+          <p:sp>
+            <p:nvSpPr>
+              <p:cNvPr id="11" name="文本框 10">
+                <a:extLst>
+                  <a:ext uri="{FF2B5EF4-FFF2-40B4-BE49-F238E27FC236}">
+                    <a16:creationId xmlns:a16="http://schemas.microsoft.com/office/drawing/2014/main" id="{D3BB09BC-758C-F140-8D44-B1DB7301F686}"/>
+                  </a:ext>
+                </a:extLst>
+              </p:cNvPr>
+              <p:cNvSpPr txBox="1"/>
+              <p:nvPr/>
+            </p:nvSpPr>
+            <p:spPr>
+              <a:xfrm>
+                <a:off x="8409214" y="5300116"/>
+                <a:ext cx="857222" cy="276999"/>
+              </a:xfrm>
+              <a:prstGeom prst="rect">
+                <a:avLst/>
+              </a:prstGeom>
+              <a:noFill/>
+            </p:spPr>
+            <p:txBody>
+              <a:bodyPr wrap="none" lIns="0" tIns="0" rIns="0" bIns="0" rtlCol="0">
+                <a:spAutoFit/>
+              </a:bodyPr>
+              <a:lstStyle/>
+              <a:p>
+                <a14:m>
+                  <m:oMathPara xmlns:m="http://schemas.openxmlformats.org/officeDocument/2006/math">
+                    <m:oMathParaPr>
+                      <m:jc m:val="centerGroup"/>
+                    </m:oMathParaPr>
+                    <m:oMath xmlns:m="http://schemas.openxmlformats.org/officeDocument/2006/math">
+                      <m:sSub>
+                        <m:sSubPr>
+                          <m:ctrlPr>
+                            <a:rPr kumimoji="1" lang="en-US" altLang="zh-CN" b="0" i="1" smtClean="0">
+                              <a:latin typeface="Cambria Math" panose="02040503050406030204" pitchFamily="18" charset="0"/>
+                            </a:rPr>
+                          </m:ctrlPr>
+                        </m:sSubPr>
+                        <m:e>
+                          <m:r>
+                            <a:rPr kumimoji="1" lang="en-US" altLang="zh-CN" b="0" i="1" smtClean="0">
+                              <a:latin typeface="Cambria Math" panose="02040503050406030204" pitchFamily="18" charset="0"/>
+                            </a:rPr>
+                            <m:t>𝐿</m:t>
+                          </m:r>
+                        </m:e>
+                        <m:sub>
+                          <m:r>
+                            <a:rPr kumimoji="1" lang="en-US" altLang="zh-CN" b="0" i="1" smtClean="0">
+                              <a:latin typeface="Cambria Math" panose="02040503050406030204" pitchFamily="18" charset="0"/>
+                            </a:rPr>
+                            <m:t>𝑥</m:t>
+                          </m:r>
+                        </m:sub>
+                      </m:sSub>
+                      <m:r>
+                        <a:rPr kumimoji="1" lang="en-US" altLang="zh-CN" b="0" i="1" smtClean="0">
+                          <a:latin typeface="Cambria Math" panose="02040503050406030204" pitchFamily="18" charset="0"/>
+                        </a:rPr>
+                        <m:t>=48</m:t>
+                      </m:r>
+                    </m:oMath>
+                  </m:oMathPara>
+                </a14:m>
+                <a:endParaRPr kumimoji="1" lang="zh-CN" altLang="en-US" dirty="0"/>
+              </a:p>
+            </p:txBody>
+          </p:sp>
+        </mc:Choice>
+        <mc:Fallback>
+          <p:sp>
+            <p:nvSpPr>
+              <p:cNvPr id="11" name="文本框 10">
+                <a:extLst>
+                  <a:ext uri="{FF2B5EF4-FFF2-40B4-BE49-F238E27FC236}">
+                    <a16:creationId xmlns:a16="http://schemas.microsoft.com/office/drawing/2014/main" id="{D3BB09BC-758C-F140-8D44-B1DB7301F686}"/>
+                  </a:ext>
+                </a:extLst>
+              </p:cNvPr>
+              <p:cNvSpPr txBox="1">
+                <a:spLocks noRot="1" noChangeAspect="1" noMove="1" noResize="1" noEditPoints="1" noAdjustHandles="1" noChangeArrowheads="1" noChangeShapeType="1" noTextEdit="1"/>
+              </p:cNvSpPr>
+              <p:nvPr/>
+            </p:nvSpPr>
+            <p:spPr>
+              <a:xfrm>
+                <a:off x="8409214" y="5300116"/>
+                <a:ext cx="857222" cy="276999"/>
+              </a:xfrm>
+              <a:prstGeom prst="rect">
+                <a:avLst/>
+              </a:prstGeom>
+              <a:blipFill>
+                <a:blip r:embed="rId8"/>
+                <a:stretch>
+                  <a:fillRect l="-4348" r="-4348" b="-8696"/>
+                </a:stretch>
+              </a:blipFill>
+            </p:spPr>
+            <p:txBody>
+              <a:bodyPr/>
+              <a:lstStyle/>
+              <a:p>
+                <a:r>
+                  <a:rPr lang="zh-CN" altLang="en-US">
+                    <a:noFill/>
+                  </a:rPr>
+                  <a:t> </a:t>
+                </a:r>
+              </a:p>
+            </p:txBody>
+          </p:sp>
+        </mc:Fallback>
+      </mc:AlternateContent>
+    </p:spTree>
+    <p:extLst>
+      <p:ext uri="{BB962C8B-B14F-4D97-AF65-F5344CB8AC3E}">
+        <p14:creationId xmlns:p14="http://schemas.microsoft.com/office/powerpoint/2010/main" val="1215346427"/>
       </p:ext>
     </p:extLst>
   </p:cSld>

--- a/note/HolsteinNote.pptx
+++ b/note/HolsteinNote.pptx
@@ -262,7 +262,7 @@
           <a:p>
             <a:fld id="{E812D69E-BA59-4048-BBA1-2B9FC684DE7B}" type="datetimeFigureOut">
               <a:rPr kumimoji="1" lang="zh-CN" altLang="en-US" smtClean="0"/>
-              <a:t>2021/8/8</a:t>
+              <a:t>2021/8/13</a:t>
             </a:fld>
             <a:endParaRPr kumimoji="1" lang="zh-CN" altLang="en-US"/>
           </a:p>
@@ -460,7 +460,7 @@
           <a:p>
             <a:fld id="{E812D69E-BA59-4048-BBA1-2B9FC684DE7B}" type="datetimeFigureOut">
               <a:rPr kumimoji="1" lang="zh-CN" altLang="en-US" smtClean="0"/>
-              <a:t>2021/8/8</a:t>
+              <a:t>2021/8/13</a:t>
             </a:fld>
             <a:endParaRPr kumimoji="1" lang="zh-CN" altLang="en-US"/>
           </a:p>
@@ -668,7 +668,7 @@
           <a:p>
             <a:fld id="{E812D69E-BA59-4048-BBA1-2B9FC684DE7B}" type="datetimeFigureOut">
               <a:rPr kumimoji="1" lang="zh-CN" altLang="en-US" smtClean="0"/>
-              <a:t>2021/8/8</a:t>
+              <a:t>2021/8/13</a:t>
             </a:fld>
             <a:endParaRPr kumimoji="1" lang="zh-CN" altLang="en-US"/>
           </a:p>
@@ -866,7 +866,7 @@
           <a:p>
             <a:fld id="{E812D69E-BA59-4048-BBA1-2B9FC684DE7B}" type="datetimeFigureOut">
               <a:rPr kumimoji="1" lang="zh-CN" altLang="en-US" smtClean="0"/>
-              <a:t>2021/8/8</a:t>
+              <a:t>2021/8/13</a:t>
             </a:fld>
             <a:endParaRPr kumimoji="1" lang="zh-CN" altLang="en-US"/>
           </a:p>
@@ -1141,7 +1141,7 @@
           <a:p>
             <a:fld id="{E812D69E-BA59-4048-BBA1-2B9FC684DE7B}" type="datetimeFigureOut">
               <a:rPr kumimoji="1" lang="zh-CN" altLang="en-US" smtClean="0"/>
-              <a:t>2021/8/8</a:t>
+              <a:t>2021/8/13</a:t>
             </a:fld>
             <a:endParaRPr kumimoji="1" lang="zh-CN" altLang="en-US"/>
           </a:p>
@@ -1406,7 +1406,7 @@
           <a:p>
             <a:fld id="{E812D69E-BA59-4048-BBA1-2B9FC684DE7B}" type="datetimeFigureOut">
               <a:rPr kumimoji="1" lang="zh-CN" altLang="en-US" smtClean="0"/>
-              <a:t>2021/8/8</a:t>
+              <a:t>2021/8/13</a:t>
             </a:fld>
             <a:endParaRPr kumimoji="1" lang="zh-CN" altLang="en-US"/>
           </a:p>
@@ -1818,7 +1818,7 @@
           <a:p>
             <a:fld id="{E812D69E-BA59-4048-BBA1-2B9FC684DE7B}" type="datetimeFigureOut">
               <a:rPr kumimoji="1" lang="zh-CN" altLang="en-US" smtClean="0"/>
-              <a:t>2021/8/8</a:t>
+              <a:t>2021/8/13</a:t>
             </a:fld>
             <a:endParaRPr kumimoji="1" lang="zh-CN" altLang="en-US"/>
           </a:p>
@@ -1959,7 +1959,7 @@
           <a:p>
             <a:fld id="{E812D69E-BA59-4048-BBA1-2B9FC684DE7B}" type="datetimeFigureOut">
               <a:rPr kumimoji="1" lang="zh-CN" altLang="en-US" smtClean="0"/>
-              <a:t>2021/8/8</a:t>
+              <a:t>2021/8/13</a:t>
             </a:fld>
             <a:endParaRPr kumimoji="1" lang="zh-CN" altLang="en-US"/>
           </a:p>
@@ -2072,7 +2072,7 @@
           <a:p>
             <a:fld id="{E812D69E-BA59-4048-BBA1-2B9FC684DE7B}" type="datetimeFigureOut">
               <a:rPr kumimoji="1" lang="zh-CN" altLang="en-US" smtClean="0"/>
-              <a:t>2021/8/8</a:t>
+              <a:t>2021/8/13</a:t>
             </a:fld>
             <a:endParaRPr kumimoji="1" lang="zh-CN" altLang="en-US"/>
           </a:p>
@@ -2383,7 +2383,7 @@
           <a:p>
             <a:fld id="{E812D69E-BA59-4048-BBA1-2B9FC684DE7B}" type="datetimeFigureOut">
               <a:rPr kumimoji="1" lang="zh-CN" altLang="en-US" smtClean="0"/>
-              <a:t>2021/8/8</a:t>
+              <a:t>2021/8/13</a:t>
             </a:fld>
             <a:endParaRPr kumimoji="1" lang="zh-CN" altLang="en-US"/>
           </a:p>
@@ -2671,7 +2671,7 @@
           <a:p>
             <a:fld id="{E812D69E-BA59-4048-BBA1-2B9FC684DE7B}" type="datetimeFigureOut">
               <a:rPr kumimoji="1" lang="zh-CN" altLang="en-US" smtClean="0"/>
-              <a:t>2021/8/8</a:t>
+              <a:t>2021/8/13</a:t>
             </a:fld>
             <a:endParaRPr kumimoji="1" lang="zh-CN" altLang="en-US"/>
           </a:p>
@@ -2912,7 +2912,7 @@
           <a:p>
             <a:fld id="{E812D69E-BA59-4048-BBA1-2B9FC684DE7B}" type="datetimeFigureOut">
               <a:rPr kumimoji="1" lang="zh-CN" altLang="en-US" smtClean="0"/>
-              <a:t>2021/8/8</a:t>
+              <a:t>2021/8/13</a:t>
             </a:fld>
             <a:endParaRPr kumimoji="1" lang="zh-CN" altLang="en-US"/>
           </a:p>
@@ -4293,8 +4293,8 @@
           <a:chExt cx="0" cy="0"/>
         </a:xfrm>
       </p:grpSpPr>
-      <mc:AlternateContent xmlns:mc="http://schemas.openxmlformats.org/markup-compatibility/2006">
-        <mc:Choice xmlns:a14="http://schemas.microsoft.com/office/drawing/2010/main" Requires="a14">
+      <mc:AlternateContent xmlns:mc="http://schemas.openxmlformats.org/markup-compatibility/2006" xmlns:a14="http://schemas.microsoft.com/office/drawing/2010/main">
+        <mc:Choice Requires="a14">
           <p:sp>
             <p:nvSpPr>
               <p:cNvPr id="4" name="标题 1">
@@ -4356,7 +4356,7 @@
             </p:txBody>
           </p:sp>
         </mc:Choice>
-        <mc:Fallback>
+        <mc:Fallback xmlns="">
           <p:sp>
             <p:nvSpPr>
               <p:cNvPr id="4" name="标题 1">
@@ -4575,8 +4575,8 @@
           <a:chExt cx="0" cy="0"/>
         </a:xfrm>
       </p:grpSpPr>
-      <mc:AlternateContent xmlns:mc="http://schemas.openxmlformats.org/markup-compatibility/2006">
-        <mc:Choice xmlns:a14="http://schemas.microsoft.com/office/drawing/2010/main" Requires="a14">
+      <mc:AlternateContent xmlns:mc="http://schemas.openxmlformats.org/markup-compatibility/2006" xmlns:a14="http://schemas.microsoft.com/office/drawing/2010/main">
+        <mc:Choice Requires="a14">
           <p:sp>
             <p:nvSpPr>
               <p:cNvPr id="4" name="标题 1">
@@ -4638,7 +4638,7 @@
             </p:txBody>
           </p:sp>
         </mc:Choice>
-        <mc:Fallback>
+        <mc:Fallback xmlns="">
           <p:sp>
             <p:nvSpPr>
               <p:cNvPr id="4" name="标题 1">
@@ -4712,8 +4712,8 @@
           </a:prstGeom>
         </p:spPr>
       </p:pic>
-      <mc:AlternateContent xmlns:mc="http://schemas.openxmlformats.org/markup-compatibility/2006">
-        <mc:Choice xmlns:a14="http://schemas.microsoft.com/office/drawing/2010/main" Requires="a14">
+      <mc:AlternateContent xmlns:mc="http://schemas.openxmlformats.org/markup-compatibility/2006" xmlns:a14="http://schemas.microsoft.com/office/drawing/2010/main">
+        <mc:Choice Requires="a14">
           <p:sp>
             <p:nvSpPr>
               <p:cNvPr id="8" name="文本框 7">
@@ -4884,7 +4884,7 @@
             </p:txBody>
           </p:sp>
         </mc:Choice>
-        <mc:Fallback>
+        <mc:Fallback xmlns="">
           <p:sp>
             <p:nvSpPr>
               <p:cNvPr id="8" name="文本框 7">
@@ -4959,8 +4959,8 @@
           </a:prstGeom>
         </p:spPr>
       </p:pic>
-      <mc:AlternateContent xmlns:mc="http://schemas.openxmlformats.org/markup-compatibility/2006">
-        <mc:Choice xmlns:a14="http://schemas.microsoft.com/office/drawing/2010/main" Requires="a14">
+      <mc:AlternateContent xmlns:mc="http://schemas.openxmlformats.org/markup-compatibility/2006" xmlns:a14="http://schemas.microsoft.com/office/drawing/2010/main">
+        <mc:Choice Requires="a14">
           <p:sp>
             <p:nvSpPr>
               <p:cNvPr id="10" name="文本框 9">
@@ -4998,6 +4998,7 @@
                 </a:r>
               </a:p>
               <a:p>
+                <a:pPr/>
                 <a14:m>
                   <m:oMathPara xmlns:m="http://schemas.openxmlformats.org/officeDocument/2006/math">
                     <m:oMathParaPr>
@@ -5027,6 +5028,7 @@
                 </a:endParaRPr>
               </a:p>
               <a:p>
+                <a:pPr/>
                 <a14:m>
                   <m:oMathPara xmlns:m="http://schemas.openxmlformats.org/officeDocument/2006/math">
                     <m:oMathParaPr>
@@ -5092,7 +5094,7 @@
             </p:txBody>
           </p:sp>
         </mc:Choice>
-        <mc:Fallback>
+        <mc:Fallback xmlns="">
           <p:sp>
             <p:nvSpPr>
               <p:cNvPr id="10" name="文本框 9">
@@ -5167,8 +5169,38 @@
           <a:chExt cx="0" cy="0"/>
         </a:xfrm>
       </p:grpSpPr>
-      <mc:AlternateContent xmlns:mc="http://schemas.openxmlformats.org/markup-compatibility/2006">
-        <mc:Choice xmlns:a14="http://schemas.microsoft.com/office/drawing/2010/main" Requires="a14">
+      <p:pic>
+        <p:nvPicPr>
+          <p:cNvPr id="2" name="图片 1">
+            <a:extLst>
+              <a:ext uri="{FF2B5EF4-FFF2-40B4-BE49-F238E27FC236}">
+                <a16:creationId xmlns:a16="http://schemas.microsoft.com/office/drawing/2014/main" id="{F96FE62E-977C-4A48-925A-8628A1DD49B8}"/>
+              </a:ext>
+            </a:extLst>
+          </p:cNvPr>
+          <p:cNvPicPr>
+            <a:picLocks noChangeAspect="1"/>
+          </p:cNvPicPr>
+          <p:nvPr/>
+        </p:nvPicPr>
+        <p:blipFill>
+          <a:blip r:embed="rId2"/>
+          <a:stretch>
+            <a:fillRect/>
+          </a:stretch>
+        </p:blipFill>
+        <p:spPr>
+          <a:xfrm>
+            <a:off x="5380789" y="1358870"/>
+            <a:ext cx="6247492" cy="3516086"/>
+          </a:xfrm>
+          <a:prstGeom prst="rect">
+            <a:avLst/>
+          </a:prstGeom>
+        </p:spPr>
+      </p:pic>
+      <mc:AlternateContent xmlns:mc="http://schemas.openxmlformats.org/markup-compatibility/2006" xmlns:a14="http://schemas.microsoft.com/office/drawing/2010/main">
+        <mc:Choice Requires="a14">
           <p:sp>
             <p:nvSpPr>
               <p:cNvPr id="4" name="标题 1">
@@ -5230,7 +5262,7 @@
             </p:txBody>
           </p:sp>
         </mc:Choice>
-        <mc:Fallback>
+        <mc:Fallback xmlns="">
           <p:sp>
             <p:nvSpPr>
               <p:cNvPr id="4" name="标题 1">
@@ -5253,7 +5285,7 @@
                 <a:ext cx="6523496" cy="595770"/>
               </a:xfrm>
               <a:blipFill>
-                <a:blip r:embed="rId2"/>
+                <a:blip r:embed="rId3"/>
                 <a:stretch>
                   <a:fillRect l="-2718" t="-25000" b="-33333"/>
                 </a:stretch>
@@ -5289,7 +5321,7 @@
           <p:nvPr/>
         </p:nvPicPr>
         <p:blipFill>
-          <a:blip r:embed="rId3"/>
+          <a:blip r:embed="rId4"/>
           <a:stretch>
             <a:fillRect/>
           </a:stretch>
@@ -5346,38 +5378,8 @@
           </a:p>
         </p:txBody>
       </p:sp>
-      <p:pic>
-        <p:nvPicPr>
-          <p:cNvPr id="7" name="图片 6">
-            <a:extLst>
-              <a:ext uri="{FF2B5EF4-FFF2-40B4-BE49-F238E27FC236}">
-                <a16:creationId xmlns:a16="http://schemas.microsoft.com/office/drawing/2014/main" id="{12E4460E-D1E4-DB42-ABDB-3BF14AFEAF7A}"/>
-              </a:ext>
-            </a:extLst>
-          </p:cNvPr>
-          <p:cNvPicPr>
-            <a:picLocks noChangeAspect="1"/>
-          </p:cNvPicPr>
-          <p:nvPr/>
-        </p:nvPicPr>
-        <p:blipFill>
-          <a:blip r:embed="rId4"/>
-          <a:stretch>
-            <a:fillRect/>
-          </a:stretch>
-        </p:blipFill>
-        <p:spPr>
-          <a:xfrm>
-            <a:off x="5838372" y="1280885"/>
-            <a:ext cx="5656942" cy="3791680"/>
-          </a:xfrm>
-          <a:prstGeom prst="rect">
-            <a:avLst/>
-          </a:prstGeom>
-        </p:spPr>
-      </p:pic>
-      <mc:AlternateContent xmlns:mc="http://schemas.openxmlformats.org/markup-compatibility/2006">
-        <mc:Choice xmlns:a14="http://schemas.microsoft.com/office/drawing/2010/main" Requires="a14">
+      <mc:AlternateContent xmlns:mc="http://schemas.openxmlformats.org/markup-compatibility/2006" xmlns:a14="http://schemas.microsoft.com/office/drawing/2010/main">
+        <mc:Choice Requires="a14">
           <p:sp>
             <p:nvSpPr>
               <p:cNvPr id="8" name="文本框 7">
@@ -5406,6 +5408,7 @@
               </a:bodyPr>
               <a:lstStyle/>
               <a:p>
+                <a:pPr/>
                 <a14:m>
                   <m:oMathPara xmlns:m="http://schemas.openxmlformats.org/officeDocument/2006/math">
                     <m:oMathParaPr>
@@ -5432,7 +5435,7 @@
             </p:txBody>
           </p:sp>
         </mc:Choice>
-        <mc:Fallback>
+        <mc:Fallback xmlns="">
           <p:sp>
             <p:nvSpPr>
               <p:cNvPr id="8" name="文本框 7">
@@ -5493,7 +5496,7 @@
             </p:nvSpPr>
             <p:spPr>
               <a:xfrm>
-                <a:off x="8080785" y="1868873"/>
+                <a:off x="8113702" y="1849343"/>
                 <a:ext cx="1043876" cy="276999"/>
               </a:xfrm>
               <a:prstGeom prst="rect">
@@ -5507,6 +5510,7 @@
               </a:bodyPr>
               <a:lstStyle/>
               <a:p>
+                <a:pPr/>
                 <a14:m>
                   <m:oMathPara xmlns:m="http://schemas.openxmlformats.org/officeDocument/2006/math">
                     <m:oMathParaPr>
@@ -5550,7 +5554,7 @@
             </p:nvSpPr>
             <p:spPr>
               <a:xfrm>
-                <a:off x="8080785" y="1868873"/>
+                <a:off x="8113702" y="1849343"/>
                 <a:ext cx="1043876" cy="276999"/>
               </a:xfrm>
               <a:prstGeom prst="rect">
@@ -5559,7 +5563,7 @@
               <a:blipFill>
                 <a:blip r:embed="rId6"/>
                 <a:stretch>
-                  <a:fillRect l="-4819" r="-3614" b="-9091"/>
+                  <a:fillRect l="-3614" r="-4819" b="-4348"/>
                 </a:stretch>
               </a:blipFill>
             </p:spPr>
@@ -5578,8 +5582,8 @@
           </p:sp>
         </mc:Fallback>
       </mc:AlternateContent>
-      <mc:AlternateContent xmlns:mc="http://schemas.openxmlformats.org/markup-compatibility/2006">
-        <mc:Choice xmlns:a14="http://schemas.microsoft.com/office/drawing/2010/main" Requires="a14">
+      <mc:AlternateContent xmlns:mc="http://schemas.openxmlformats.org/markup-compatibility/2006" xmlns:a14="http://schemas.microsoft.com/office/drawing/2010/main">
+        <mc:Choice Requires="a14">
           <p:sp>
             <p:nvSpPr>
               <p:cNvPr id="10" name="文本框 9">
@@ -5608,6 +5612,7 @@
               </a:bodyPr>
               <a:lstStyle/>
               <a:p>
+                <a:pPr/>
                 <a14:m>
                   <m:oMathPara xmlns:m="http://schemas.openxmlformats.org/officeDocument/2006/math">
                     <m:oMathParaPr>
@@ -5653,7 +5658,7 @@
             </p:txBody>
           </p:sp>
         </mc:Choice>
-        <mc:Fallback>
+        <mc:Fallback xmlns="">
           <p:sp>
             <p:nvSpPr>
               <p:cNvPr id="10" name="文本框 9">
@@ -5714,7 +5719,7 @@
             </p:nvSpPr>
             <p:spPr>
               <a:xfrm>
-                <a:off x="8409214" y="5300116"/>
+                <a:off x="7079063" y="1854787"/>
                 <a:ext cx="857222" cy="276999"/>
               </a:xfrm>
               <a:prstGeom prst="rect">
@@ -5728,6 +5733,7 @@
               </a:bodyPr>
               <a:lstStyle/>
               <a:p>
+                <a:pPr/>
                 <a14:m>
                   <m:oMathPara xmlns:m="http://schemas.openxmlformats.org/officeDocument/2006/math">
                     <m:oMathParaPr>
@@ -5790,7 +5796,7 @@
             </p:nvSpPr>
             <p:spPr>
               <a:xfrm>
-                <a:off x="8409214" y="5300116"/>
+                <a:off x="7079063" y="1854787"/>
                 <a:ext cx="857222" cy="276999"/>
               </a:xfrm>
               <a:prstGeom prst="rect">
@@ -5799,7 +5805,186 @@
               <a:blipFill>
                 <a:blip r:embed="rId8"/>
                 <a:stretch>
-                  <a:fillRect l="-4348" r="-4348" b="-8696"/>
+                  <a:fillRect l="-5882" r="-5882" b="-8696"/>
+                </a:stretch>
+              </a:blipFill>
+            </p:spPr>
+            <p:txBody>
+              <a:bodyPr/>
+              <a:lstStyle/>
+              <a:p>
+                <a:r>
+                  <a:rPr lang="zh-CN" altLang="en-US">
+                    <a:noFill/>
+                  </a:rPr>
+                  <a:t> </a:t>
+                </a:r>
+              </a:p>
+            </p:txBody>
+          </p:sp>
+        </mc:Fallback>
+      </mc:AlternateContent>
+      <mc:AlternateContent xmlns:mc="http://schemas.openxmlformats.org/markup-compatibility/2006">
+        <mc:Choice xmlns:a14="http://schemas.microsoft.com/office/drawing/2010/main" Requires="a14">
+          <p:sp>
+            <p:nvSpPr>
+              <p:cNvPr id="3" name="文本框 2">
+                <a:extLst>
+                  <a:ext uri="{FF2B5EF4-FFF2-40B4-BE49-F238E27FC236}">
+                    <a16:creationId xmlns:a16="http://schemas.microsoft.com/office/drawing/2014/main" id="{D65A1494-2792-C149-BA40-4F60C9A099D8}"/>
+                  </a:ext>
+                </a:extLst>
+              </p:cNvPr>
+              <p:cNvSpPr txBox="1"/>
+              <p:nvPr/>
+            </p:nvSpPr>
+            <p:spPr>
+              <a:xfrm>
+                <a:off x="6710767" y="5253949"/>
+                <a:ext cx="3875314" cy="646331"/>
+              </a:xfrm>
+              <a:prstGeom prst="rect">
+                <a:avLst/>
+              </a:prstGeom>
+              <a:noFill/>
+            </p:spPr>
+            <p:txBody>
+              <a:bodyPr wrap="square" rtlCol="0">
+                <a:spAutoFit/>
+              </a:bodyPr>
+              <a:lstStyle/>
+              <a:p>
+                <a14:m>
+                  <m:oMath xmlns:m="http://schemas.openxmlformats.org/officeDocument/2006/math">
+                    <m:sSub>
+                      <m:sSubPr>
+                        <m:ctrlPr>
+                          <a:rPr kumimoji="1" lang="en-US" altLang="zh-CN" b="0" i="1" smtClean="0">
+                            <a:latin typeface="Cambria Math" panose="02040503050406030204" pitchFamily="18" charset="0"/>
+                          </a:rPr>
+                        </m:ctrlPr>
+                      </m:sSubPr>
+                      <m:e>
+                        <m:r>
+                          <a:rPr kumimoji="1" lang="en-US" altLang="zh-CN" b="0" i="1" smtClean="0">
+                            <a:latin typeface="Cambria Math" panose="02040503050406030204" pitchFamily="18" charset="0"/>
+                          </a:rPr>
+                          <m:t>𝐸</m:t>
+                        </m:r>
+                      </m:e>
+                      <m:sub>
+                        <m:r>
+                          <a:rPr kumimoji="1" lang="en-US" altLang="zh-CN" b="0" i="1" smtClean="0">
+                            <a:latin typeface="Cambria Math" panose="02040503050406030204" pitchFamily="18" charset="0"/>
+                          </a:rPr>
+                          <m:t>0</m:t>
+                        </m:r>
+                      </m:sub>
+                    </m:sSub>
+                    <m:r>
+                      <a:rPr kumimoji="1" lang="en-US" altLang="zh-CN" i="1">
+                        <a:latin typeface="Cambria Math" panose="02040503050406030204" pitchFamily="18" charset="0"/>
+                      </a:rPr>
+                      <m:t>=-347.344</m:t>
+                    </m:r>
+                  </m:oMath>
+                </a14:m>
+                <a:r>
+                  <a:rPr kumimoji="1" lang="en-US" altLang="zh-CN" b="0" i="1" dirty="0">
+                    <a:latin typeface="Times New Roman" panose="02020603050405020304" pitchFamily="18" charset="0"/>
+                    <a:cs typeface="Times New Roman" panose="02020603050405020304" pitchFamily="18" charset="0"/>
+                  </a:rPr>
+                  <a:t> </a:t>
+                </a:r>
+                <a:r>
+                  <a:rPr kumimoji="1" lang="en-US" altLang="zh-CN" b="0" dirty="0">
+                    <a:latin typeface="Times New Roman" panose="02020603050405020304" pitchFamily="18" charset="0"/>
+                    <a:cs typeface="Times New Roman" panose="02020603050405020304" pitchFamily="18" charset="0"/>
+                  </a:rPr>
+                  <a:t>for strange state</a:t>
+                </a:r>
+              </a:p>
+              <a:p>
+                <a14:m>
+                  <m:oMath xmlns:m="http://schemas.openxmlformats.org/officeDocument/2006/math">
+                    <m:sSub>
+                      <m:sSubPr>
+                        <m:ctrlPr>
+                          <a:rPr kumimoji="1" lang="en-US" altLang="zh-CN" b="0" i="1" smtClean="0">
+                            <a:latin typeface="Cambria Math" panose="02040503050406030204" pitchFamily="18" charset="0"/>
+                          </a:rPr>
+                        </m:ctrlPr>
+                      </m:sSubPr>
+                      <m:e>
+                        <m:r>
+                          <a:rPr kumimoji="1" lang="en-US" altLang="zh-CN" b="0" i="1" smtClean="0">
+                            <a:latin typeface="Cambria Math" panose="02040503050406030204" pitchFamily="18" charset="0"/>
+                          </a:rPr>
+                          <m:t>𝐸</m:t>
+                        </m:r>
+                      </m:e>
+                      <m:sub>
+                        <m:r>
+                          <a:rPr kumimoji="1" lang="en-US" altLang="zh-CN" b="0" i="1" smtClean="0">
+                            <a:latin typeface="Cambria Math" panose="02040503050406030204" pitchFamily="18" charset="0"/>
+                          </a:rPr>
+                          <m:t>0</m:t>
+                        </m:r>
+                      </m:sub>
+                    </m:sSub>
+                    <m:r>
+                      <a:rPr kumimoji="1" lang="en-US" altLang="zh-CN" i="1">
+                        <a:latin typeface="Cambria Math" panose="02040503050406030204" pitchFamily="18" charset="0"/>
+                      </a:rPr>
+                      <m:t>=-347.49</m:t>
+                    </m:r>
+                    <m:r>
+                      <a:rPr kumimoji="1" lang="en-US" altLang="zh-CN" b="0" i="1" smtClean="0">
+                        <a:latin typeface="Cambria Math" panose="02040503050406030204" pitchFamily="18" charset="0"/>
+                      </a:rPr>
+                      <m:t>6 </m:t>
+                    </m:r>
+                  </m:oMath>
+                </a14:m>
+                <a:r>
+                  <a:rPr kumimoji="1" lang="en-US" altLang="zh-CN" b="0" i="0" dirty="0">
+                    <a:latin typeface="Times New Roman" panose="02020603050405020304" pitchFamily="18" charset="0"/>
+                    <a:cs typeface="Times New Roman" panose="02020603050405020304" pitchFamily="18" charset="0"/>
+                  </a:rPr>
+                  <a:t>for filled stripe state</a:t>
+                </a:r>
+                <a14:m/>
+              </a:p>
+            </p:txBody>
+          </p:sp>
+        </mc:Choice>
+        <mc:Fallback>
+          <p:sp>
+            <p:nvSpPr>
+              <p:cNvPr id="3" name="文本框 2">
+                <a:extLst>
+                  <a:ext uri="{FF2B5EF4-FFF2-40B4-BE49-F238E27FC236}">
+                    <a16:creationId xmlns:a16="http://schemas.microsoft.com/office/drawing/2014/main" id="{D65A1494-2792-C149-BA40-4F60C9A099D8}"/>
+                  </a:ext>
+                </a:extLst>
+              </p:cNvPr>
+              <p:cNvSpPr txBox="1">
+                <a:spLocks noRot="1" noChangeAspect="1" noMove="1" noResize="1" noEditPoints="1" noAdjustHandles="1" noChangeArrowheads="1" noChangeShapeType="1" noTextEdit="1"/>
+              </p:cNvSpPr>
+              <p:nvPr/>
+            </p:nvSpPr>
+            <p:spPr>
+              <a:xfrm>
+                <a:off x="6710767" y="5253949"/>
+                <a:ext cx="3875314" cy="646331"/>
+              </a:xfrm>
+              <a:prstGeom prst="rect">
+                <a:avLst/>
+              </a:prstGeom>
+              <a:blipFill>
+                <a:blip r:embed="rId9"/>
+                <a:stretch>
+                  <a:fillRect t="-3846" b="-15385"/>
                 </a:stretch>
               </a:blipFill>
             </p:spPr>
